--- a/bishops/cs321/resources/CS321_Lecture_14.pptx
+++ b/bishops/cs321/resources/CS321_Lecture_14.pptx
@@ -5,7 +5,7 @@
     <p:sldMasterId id="2147483648" r:id="rId1"/>
   </p:sldMasterIdLst>
   <p:notesMasterIdLst>
-    <p:notesMasterId r:id="rId39"/>
+    <p:notesMasterId r:id="rId38"/>
   </p:notesMasterIdLst>
   <p:sldIdLst>
     <p:sldId id="256" r:id="rId2"/>
@@ -40,11 +40,10 @@
     <p:sldId id="289" r:id="rId31"/>
     <p:sldId id="290" r:id="rId32"/>
     <p:sldId id="291" r:id="rId33"/>
-    <p:sldId id="296" r:id="rId34"/>
-    <p:sldId id="295" r:id="rId35"/>
-    <p:sldId id="292" r:id="rId36"/>
-    <p:sldId id="293" r:id="rId37"/>
-    <p:sldId id="294" r:id="rId38"/>
+    <p:sldId id="295" r:id="rId34"/>
+    <p:sldId id="292" r:id="rId35"/>
+    <p:sldId id="293" r:id="rId36"/>
+    <p:sldId id="294" r:id="rId37"/>
   </p:sldIdLst>
   <p:sldSz cx="12192000" cy="6858000"/>
   <p:notesSz cx="6858000" cy="9144000"/>
@@ -8912,29 +8911,107 @@
           </a:bodyPr>
           <a:lstStyle/>
           <a:p>
-            <a:pPr lvl="1"/>
-            <a:r>
-              <a:rPr lang="en-US" altLang="en-US" sz="2800" b="1" dirty="0"/>
-              <a:t>Composite - </a:t>
-            </a:r>
-            <a:r>
-              <a:rPr lang="en-US" altLang="en-US" sz="2800" dirty="0"/>
-              <a:t>Composes objects into tree structures to represent part-whole hierarchies. Lets clients treat individual objects and compositions of objects uniformly.</a:t>
-            </a:r>
-          </a:p>
-          <a:p>
-            <a:pPr lvl="1"/>
-            <a:endParaRPr lang="en-US" altLang="en-US" sz="2800" dirty="0"/>
-          </a:p>
-          <a:p>
-            <a:pPr lvl="1"/>
-            <a:r>
-              <a:rPr lang="en-US" altLang="en-US" sz="2800" b="1" dirty="0"/>
-              <a:t>Decorator - </a:t>
-            </a:r>
-            <a:r>
-              <a:rPr lang="en-US" altLang="en-US" sz="2800" dirty="0"/>
-              <a:t>Attaches additional responsibilities to an object dynamically. Provides a flexible alternative to subclassing for extending functionality.</a:t>
+            <a:pPr>
+              <a:lnSpc>
+                <a:spcPct val="90000"/>
+              </a:lnSpc>
+            </a:pPr>
+            <a:r>
+              <a:rPr lang="en-US" altLang="en-US" dirty="0"/>
+              <a:t>Things to think about:</a:t>
+            </a:r>
+          </a:p>
+          <a:p>
+            <a:pPr lvl="1">
+              <a:lnSpc>
+                <a:spcPct val="90000"/>
+              </a:lnSpc>
+            </a:pPr>
+            <a:r>
+              <a:rPr lang="en-US" altLang="en-US" dirty="0"/>
+              <a:t>Do you have favorite things you use in your design efforts?</a:t>
+            </a:r>
+          </a:p>
+          <a:p>
+            <a:pPr lvl="2">
+              <a:lnSpc>
+                <a:spcPct val="90000"/>
+              </a:lnSpc>
+            </a:pPr>
+            <a:r>
+              <a:rPr lang="en-US" altLang="en-US" dirty="0"/>
+              <a:t>algorithms</a:t>
+            </a:r>
+          </a:p>
+          <a:p>
+            <a:pPr lvl="2">
+              <a:lnSpc>
+                <a:spcPct val="90000"/>
+              </a:lnSpc>
+            </a:pPr>
+            <a:r>
+              <a:rPr lang="en-US" altLang="en-US" dirty="0"/>
+              <a:t>classes</a:t>
+            </a:r>
+          </a:p>
+          <a:p>
+            <a:pPr lvl="2">
+              <a:lnSpc>
+                <a:spcPct val="90000"/>
+              </a:lnSpc>
+            </a:pPr>
+            <a:r>
+              <a:rPr lang="en-US" altLang="en-US" dirty="0"/>
+              <a:t>patterns</a:t>
+            </a:r>
+          </a:p>
+          <a:p>
+            <a:pPr lvl="2">
+              <a:lnSpc>
+                <a:spcPct val="90000"/>
+              </a:lnSpc>
+            </a:pPr>
+            <a:r>
+              <a:rPr lang="en-US" altLang="en-US" dirty="0"/>
+              <a:t>tools</a:t>
+            </a:r>
+          </a:p>
+          <a:p>
+            <a:pPr lvl="2">
+              <a:lnSpc>
+                <a:spcPct val="90000"/>
+              </a:lnSpc>
+            </a:pPr>
+            <a:endParaRPr lang="en-US" altLang="en-US" dirty="0"/>
+          </a:p>
+          <a:p>
+            <a:pPr lvl="1">
+              <a:lnSpc>
+                <a:spcPct val="90000"/>
+              </a:lnSpc>
+            </a:pPr>
+            <a:r>
+              <a:rPr lang="en-US" altLang="en-US" dirty="0"/>
+              <a:t>How do you keep track of these things when you move to a new assignment/project or a new class and eventually to a new job?</a:t>
+            </a:r>
+          </a:p>
+          <a:p>
+            <a:pPr lvl="1">
+              <a:lnSpc>
+                <a:spcPct val="90000"/>
+              </a:lnSpc>
+            </a:pPr>
+            <a:endParaRPr lang="en-US" altLang="en-US" dirty="0"/>
+          </a:p>
+          <a:p>
+            <a:pPr lvl="1">
+              <a:lnSpc>
+                <a:spcPct val="90000"/>
+              </a:lnSpc>
+            </a:pPr>
+            <a:r>
+              <a:rPr lang="en-US" altLang="en-US" dirty="0"/>
+              <a:t>How would you share them or publish them ?</a:t>
             </a:r>
           </a:p>
         </p:txBody>
@@ -9013,7 +9090,7 @@
     </p:spTree>
     <p:extLst>
       <p:ext uri="{BB962C8B-B14F-4D97-AF65-F5344CB8AC3E}">
-        <p14:creationId xmlns:p14="http://schemas.microsoft.com/office/powerpoint/2010/main" val="4143783642"/>
+        <p14:creationId xmlns:p14="http://schemas.microsoft.com/office/powerpoint/2010/main" val="351910534"/>
       </p:ext>
     </p:extLst>
   </p:cSld>
@@ -9057,7 +9134,7 @@
           <a:p>
             <a:r>
               <a:rPr lang="en-US" altLang="en-US" dirty="0"/>
-              <a:t>Brief Description of each Pattern (cont.)</a:t>
+              <a:t>Format of Design Pattern Descriptions</a:t>
             </a:r>
             <a:endParaRPr lang="en-CA" dirty="0"/>
           </a:p>
@@ -9081,111 +9158,91 @@
         </p:spPr>
         <p:txBody>
           <a:bodyPr>
-            <a:normAutofit/>
+            <a:normAutofit fontScale="92500"/>
           </a:bodyPr>
           <a:lstStyle/>
           <a:p>
             <a:pPr>
               <a:lnSpc>
-                <a:spcPct val="90000"/>
+                <a:spcPct val="80000"/>
               </a:lnSpc>
             </a:pPr>
             <a:r>
-              <a:rPr lang="en-US" altLang="en-US" dirty="0"/>
-              <a:t>Things to think about:</a:t>
-            </a:r>
-          </a:p>
-          <a:p>
-            <a:pPr lvl="1">
+              <a:rPr lang="en-US" altLang="en-US" sz="2800" b="1" dirty="0"/>
+              <a:t>Pattern Name and Classification:</a:t>
+            </a:r>
+            <a:r>
+              <a:rPr lang="en-US" altLang="en-US" sz="2800" dirty="0"/>
+              <a:t> Every pattern should have a descriptive and unique name that helps in identifying and referring to it. This classification helps in identifying the use of the pattern. </a:t>
+            </a:r>
+          </a:p>
+          <a:p>
+            <a:pPr>
               <a:lnSpc>
-                <a:spcPct val="90000"/>
+                <a:spcPct val="80000"/>
               </a:lnSpc>
             </a:pPr>
-            <a:r>
-              <a:rPr lang="en-US" altLang="en-US" dirty="0"/>
-              <a:t>Do you have favorite things you use in your design efforts?</a:t>
-            </a:r>
-          </a:p>
-          <a:p>
-            <a:pPr lvl="2">
+            <a:endParaRPr lang="en-US" altLang="en-US" sz="2800" b="1" dirty="0"/>
+          </a:p>
+          <a:p>
+            <a:pPr>
               <a:lnSpc>
-                <a:spcPct val="90000"/>
+                <a:spcPct val="80000"/>
               </a:lnSpc>
             </a:pPr>
             <a:r>
-              <a:rPr lang="en-US" altLang="en-US" dirty="0"/>
-              <a:t>algorithms</a:t>
-            </a:r>
-          </a:p>
-          <a:p>
-            <a:pPr lvl="2">
+              <a:rPr lang="en-US" altLang="en-US" sz="2800" b="1" dirty="0"/>
+              <a:t>Intent:</a:t>
+            </a:r>
+            <a:r>
+              <a:rPr lang="en-US" altLang="en-US" sz="2800" dirty="0"/>
+              <a:t> This section should describe the goal behind the pattern and the reason for using it. It resembles the problem part of the pattern. </a:t>
+            </a:r>
+          </a:p>
+          <a:p>
+            <a:pPr>
               <a:lnSpc>
-                <a:spcPct val="90000"/>
+                <a:spcPct val="80000"/>
               </a:lnSpc>
             </a:pPr>
-            <a:r>
-              <a:rPr lang="en-US" altLang="en-US" dirty="0"/>
-              <a:t>classes</a:t>
-            </a:r>
-          </a:p>
-          <a:p>
-            <a:pPr lvl="2">
+            <a:endParaRPr lang="en-US" altLang="en-US" sz="2800" b="1" dirty="0"/>
+          </a:p>
+          <a:p>
+            <a:pPr>
               <a:lnSpc>
-                <a:spcPct val="90000"/>
+                <a:spcPct val="80000"/>
               </a:lnSpc>
             </a:pPr>
             <a:r>
-              <a:rPr lang="en-US" altLang="en-US" dirty="0"/>
-              <a:t>patterns</a:t>
-            </a:r>
-          </a:p>
-          <a:p>
-            <a:pPr lvl="2">
+              <a:rPr lang="en-US" altLang="en-US" sz="2800" b="1" dirty="0"/>
+              <a:t>Also Known As:</a:t>
+            </a:r>
+            <a:r>
+              <a:rPr lang="en-US" altLang="en-US" sz="2800" dirty="0"/>
+              <a:t> A pattern could have more than one name. These names should be documented in this section. </a:t>
+            </a:r>
+          </a:p>
+          <a:p>
+            <a:pPr>
               <a:lnSpc>
-                <a:spcPct val="90000"/>
+                <a:spcPct val="80000"/>
               </a:lnSpc>
             </a:pPr>
-            <a:r>
-              <a:rPr lang="en-US" altLang="en-US" dirty="0"/>
-              <a:t>tools</a:t>
-            </a:r>
-          </a:p>
-          <a:p>
-            <a:pPr lvl="2">
+            <a:endParaRPr lang="en-US" altLang="en-US" sz="2800" b="1" dirty="0"/>
+          </a:p>
+          <a:p>
+            <a:pPr>
               <a:lnSpc>
-                <a:spcPct val="90000"/>
+                <a:spcPct val="80000"/>
               </a:lnSpc>
             </a:pPr>
-            <a:endParaRPr lang="en-US" altLang="en-US" dirty="0"/>
-          </a:p>
-          <a:p>
-            <a:pPr lvl="1">
-              <a:lnSpc>
-                <a:spcPct val="90000"/>
-              </a:lnSpc>
-            </a:pPr>
-            <a:r>
-              <a:rPr lang="en-US" altLang="en-US" dirty="0"/>
-              <a:t>How do you keep track of these things when you move to a new assignment/project or a new class and eventually to a new job?</a:t>
-            </a:r>
-          </a:p>
-          <a:p>
-            <a:pPr lvl="1">
-              <a:lnSpc>
-                <a:spcPct val="90000"/>
-              </a:lnSpc>
-            </a:pPr>
-            <a:endParaRPr lang="en-US" altLang="en-US" dirty="0"/>
-          </a:p>
-          <a:p>
-            <a:pPr lvl="1">
-              <a:lnSpc>
-                <a:spcPct val="90000"/>
-              </a:lnSpc>
-            </a:pPr>
-            <a:r>
-              <a:rPr lang="en-US" altLang="en-US" dirty="0"/>
-              <a:t>How would you share them or publish them ?</a:t>
+            <a:r>
+              <a:rPr lang="en-US" altLang="en-US" sz="2800" b="1" dirty="0"/>
+              <a:t>Motivation(Forces):</a:t>
+            </a:r>
+            <a:r>
+              <a:rPr lang="en-US" altLang="en-US" sz="2800" dirty="0"/>
+              <a:t> This section provides a scenario consisting of a problem and a context in which this pattern can be used. By relating the problem and the context, this section shows when this pattern is used. </a:t>
             </a:r>
           </a:p>
         </p:txBody>
@@ -9264,7 +9321,7 @@
     </p:spTree>
     <p:extLst>
       <p:ext uri="{BB962C8B-B14F-4D97-AF65-F5344CB8AC3E}">
-        <p14:creationId xmlns:p14="http://schemas.microsoft.com/office/powerpoint/2010/main" val="351910534"/>
+        <p14:creationId xmlns:p14="http://schemas.microsoft.com/office/powerpoint/2010/main" val="149226633"/>
       </p:ext>
     </p:extLst>
   </p:cSld>
@@ -9332,7 +9389,7 @@
         </p:spPr>
         <p:txBody>
           <a:bodyPr>
-            <a:normAutofit fontScale="92500"/>
+            <a:normAutofit fontScale="92500" lnSpcReduction="10000"/>
           </a:bodyPr>
           <a:lstStyle/>
           <a:p>
@@ -9343,11 +9400,61 @@
             </a:pPr>
             <a:r>
               <a:rPr lang="en-US" altLang="en-US" sz="2800" b="1" dirty="0"/>
-              <a:t>Pattern Name and Classification:</a:t>
+              <a:t>Applicability:</a:t>
             </a:r>
             <a:r>
               <a:rPr lang="en-US" altLang="en-US" sz="2800" dirty="0"/>
-              <a:t> Every pattern should have a descriptive and unique name that helps in identifying and referring to it. This classification helps in identifying the use of the pattern. </a:t>
+              <a:t> This section includes situations in which this pattern is usable. It represents the </a:t>
+            </a:r>
+            <a:r>
+              <a:rPr lang="en-US" altLang="en-US" sz="2800" u="sng" dirty="0"/>
+              <a:t>context</a:t>
+            </a:r>
+            <a:r>
+              <a:rPr lang="en-US" altLang="en-US" sz="2800" dirty="0"/>
+              <a:t> part of the pattern.</a:t>
+            </a:r>
+          </a:p>
+          <a:p>
+            <a:pPr>
+              <a:lnSpc>
+                <a:spcPct val="80000"/>
+              </a:lnSpc>
+            </a:pPr>
+            <a:r>
+              <a:rPr lang="en-US" altLang="en-US" sz="2800" dirty="0"/>
+              <a:t> </a:t>
+            </a:r>
+          </a:p>
+          <a:p>
+            <a:pPr>
+              <a:lnSpc>
+                <a:spcPct val="80000"/>
+              </a:lnSpc>
+            </a:pPr>
+            <a:r>
+              <a:rPr lang="en-US" altLang="en-US" sz="2800" b="1" dirty="0"/>
+              <a:t>Structure:</a:t>
+            </a:r>
+            <a:r>
+              <a:rPr lang="en-US" altLang="en-US" sz="2800" dirty="0"/>
+              <a:t> A graphical representation of the pattern. </a:t>
+            </a:r>
+            <a:r>
+              <a:rPr lang="en-US" altLang="en-US" sz="2800" u="sng" dirty="0"/>
+              <a:t>Class diagrams</a:t>
+            </a:r>
+            <a:r>
+              <a:rPr lang="en-US" altLang="en-US" sz="2800" dirty="0"/>
+              <a:t> and </a:t>
+            </a:r>
+            <a:r>
+              <a:rPr lang="en-US" altLang="en-US" sz="2800" u="sng" dirty="0"/>
+              <a:t>Interaction diagrams</a:t>
+            </a:r>
+            <a:r>
+              <a:rPr lang="en-US" altLang="en-US" sz="2800" dirty="0"/>
+              <a:t> can be used for this purpose. </a:t>
             </a:r>
           </a:p>
           <a:p>
@@ -9366,11 +9473,11 @@
             </a:pPr>
             <a:r>
               <a:rPr lang="en-US" altLang="en-US" sz="2800" b="1" dirty="0"/>
-              <a:t>Intent:</a:t>
+              <a:t>Participants:</a:t>
             </a:r>
             <a:r>
               <a:rPr lang="en-US" altLang="en-US" sz="2800" dirty="0"/>
-              <a:t> This section should describe the goal behind the pattern and the reason for using it. It resembles the problem part of the pattern. </a:t>
+              <a:t> A listing of the classes and objects used in this pattern and their roles in the design. </a:t>
             </a:r>
           </a:p>
           <a:p>
@@ -9389,11 +9496,11 @@
             </a:pPr>
             <a:r>
               <a:rPr lang="en-US" altLang="en-US" sz="2800" b="1" dirty="0"/>
-              <a:t>Also Known As:</a:t>
+              <a:t>Collaboration:</a:t>
             </a:r>
             <a:r>
               <a:rPr lang="en-US" altLang="en-US" sz="2800" dirty="0"/>
-              <a:t> A pattern could have more than one name. These names should be documented in this section. </a:t>
+              <a:t> Describes how classes and objects used in the pattern interact with each other. </a:t>
             </a:r>
           </a:p>
           <a:p>
@@ -9412,11 +9519,19 @@
             </a:pPr>
             <a:r>
               <a:rPr lang="en-US" altLang="en-US" sz="2800" b="1" dirty="0"/>
-              <a:t>Motivation(Forces):</a:t>
+              <a:t>Consequences (</a:t>
             </a:r>
             <a:r>
               <a:rPr lang="en-US" altLang="en-US" sz="2800" dirty="0"/>
-              <a:t> This section provides a scenario consisting of a problem and a context in which this pattern can be used. By relating the problem and the context, this section shows when this pattern is used. </a:t>
+              <a:t>of this choice of solution</a:t>
+            </a:r>
+            <a:r>
+              <a:rPr lang="en-US" altLang="en-US" sz="2800" b="1" dirty="0"/>
+              <a:t>):</a:t>
+            </a:r>
+            <a:r>
+              <a:rPr lang="en-US" altLang="en-US" sz="2800" dirty="0"/>
+              <a:t> This section describes the results, side effects, and trade offs caused by using this pattern. </a:t>
             </a:r>
           </a:p>
         </p:txBody>
@@ -9495,7 +9610,7 @@
     </p:spTree>
     <p:extLst>
       <p:ext uri="{BB962C8B-B14F-4D97-AF65-F5344CB8AC3E}">
-        <p14:creationId xmlns:p14="http://schemas.microsoft.com/office/powerpoint/2010/main" val="149226633"/>
+        <p14:creationId xmlns:p14="http://schemas.microsoft.com/office/powerpoint/2010/main" val="592769764"/>
       </p:ext>
     </p:extLst>
   </p:cSld>
@@ -9574,295 +9689,6 @@
             </a:pPr>
             <a:r>
               <a:rPr lang="en-US" altLang="en-US" sz="2800" b="1" dirty="0"/>
-              <a:t>Applicability:</a:t>
-            </a:r>
-            <a:r>
-              <a:rPr lang="en-US" altLang="en-US" sz="2800" dirty="0"/>
-              <a:t> This section includes situations in which this pattern is usable. It represents the </a:t>
-            </a:r>
-            <a:r>
-              <a:rPr lang="en-US" altLang="en-US" sz="2800" u="sng" dirty="0"/>
-              <a:t>context</a:t>
-            </a:r>
-            <a:r>
-              <a:rPr lang="en-US" altLang="en-US" sz="2800" dirty="0"/>
-              <a:t> part of the pattern.</a:t>
-            </a:r>
-          </a:p>
-          <a:p>
-            <a:pPr>
-              <a:lnSpc>
-                <a:spcPct val="80000"/>
-              </a:lnSpc>
-            </a:pPr>
-            <a:r>
-              <a:rPr lang="en-US" altLang="en-US" sz="2800" dirty="0"/>
-              <a:t> </a:t>
-            </a:r>
-          </a:p>
-          <a:p>
-            <a:pPr>
-              <a:lnSpc>
-                <a:spcPct val="80000"/>
-              </a:lnSpc>
-            </a:pPr>
-            <a:r>
-              <a:rPr lang="en-US" altLang="en-US" sz="2800" b="1" dirty="0"/>
-              <a:t>Structure:</a:t>
-            </a:r>
-            <a:r>
-              <a:rPr lang="en-US" altLang="en-US" sz="2800" dirty="0"/>
-              <a:t> A graphical representation of the pattern. </a:t>
-            </a:r>
-            <a:r>
-              <a:rPr lang="en-US" altLang="en-US" sz="2800" u="sng" dirty="0"/>
-              <a:t>Class diagrams</a:t>
-            </a:r>
-            <a:r>
-              <a:rPr lang="en-US" altLang="en-US" sz="2800" dirty="0"/>
-              <a:t> and </a:t>
-            </a:r>
-            <a:r>
-              <a:rPr lang="en-US" altLang="en-US" sz="2800" u="sng" dirty="0"/>
-              <a:t>Interaction diagrams</a:t>
-            </a:r>
-            <a:r>
-              <a:rPr lang="en-US" altLang="en-US" sz="2800" dirty="0"/>
-              <a:t> can be used for this purpose. </a:t>
-            </a:r>
-          </a:p>
-          <a:p>
-            <a:pPr>
-              <a:lnSpc>
-                <a:spcPct val="80000"/>
-              </a:lnSpc>
-            </a:pPr>
-            <a:endParaRPr lang="en-US" altLang="en-US" sz="2800" b="1" dirty="0"/>
-          </a:p>
-          <a:p>
-            <a:pPr>
-              <a:lnSpc>
-                <a:spcPct val="80000"/>
-              </a:lnSpc>
-            </a:pPr>
-            <a:r>
-              <a:rPr lang="en-US" altLang="en-US" sz="2800" b="1" dirty="0"/>
-              <a:t>Participants:</a:t>
-            </a:r>
-            <a:r>
-              <a:rPr lang="en-US" altLang="en-US" sz="2800" dirty="0"/>
-              <a:t> A listing of the classes and objects used in this pattern and their roles in the design. </a:t>
-            </a:r>
-          </a:p>
-          <a:p>
-            <a:pPr>
-              <a:lnSpc>
-                <a:spcPct val="80000"/>
-              </a:lnSpc>
-            </a:pPr>
-            <a:endParaRPr lang="en-US" altLang="en-US" sz="2800" b="1" dirty="0"/>
-          </a:p>
-          <a:p>
-            <a:pPr>
-              <a:lnSpc>
-                <a:spcPct val="80000"/>
-              </a:lnSpc>
-            </a:pPr>
-            <a:r>
-              <a:rPr lang="en-US" altLang="en-US" sz="2800" b="1" dirty="0"/>
-              <a:t>Collaboration:</a:t>
-            </a:r>
-            <a:r>
-              <a:rPr lang="en-US" altLang="en-US" sz="2800" dirty="0"/>
-              <a:t> Describes how classes and objects used in the pattern interact with each other. </a:t>
-            </a:r>
-          </a:p>
-          <a:p>
-            <a:pPr>
-              <a:lnSpc>
-                <a:spcPct val="80000"/>
-              </a:lnSpc>
-            </a:pPr>
-            <a:endParaRPr lang="en-US" altLang="en-US" sz="2800" b="1" dirty="0"/>
-          </a:p>
-          <a:p>
-            <a:pPr>
-              <a:lnSpc>
-                <a:spcPct val="80000"/>
-              </a:lnSpc>
-            </a:pPr>
-            <a:r>
-              <a:rPr lang="en-US" altLang="en-US" sz="2800" b="1" dirty="0"/>
-              <a:t>Consequences (</a:t>
-            </a:r>
-            <a:r>
-              <a:rPr lang="en-US" altLang="en-US" sz="2800" dirty="0"/>
-              <a:t>of this choice of solution</a:t>
-            </a:r>
-            <a:r>
-              <a:rPr lang="en-US" altLang="en-US" sz="2800" b="1" dirty="0"/>
-              <a:t>):</a:t>
-            </a:r>
-            <a:r>
-              <a:rPr lang="en-US" altLang="en-US" sz="2800" dirty="0"/>
-              <a:t> This section describes the results, side effects, and trade offs caused by using this pattern. </a:t>
-            </a:r>
-          </a:p>
-        </p:txBody>
-      </p:sp>
-      <p:sp>
-        <p:nvSpPr>
-          <p:cNvPr id="6" name="Date Placeholder 5"/>
-          <p:cNvSpPr>
-            <a:spLocks noGrp="1"/>
-          </p:cNvSpPr>
-          <p:nvPr>
-            <p:ph type="dt" sz="half" idx="2"/>
-          </p:nvPr>
-        </p:nvSpPr>
-        <p:spPr/>
-        <p:txBody>
-          <a:bodyPr/>
-          <a:lstStyle/>
-          <a:p>
-            <a:r>
-              <a:rPr lang="en-CA" dirty="0"/>
-              <a:t>Winter 2022</a:t>
-            </a:r>
-          </a:p>
-        </p:txBody>
-      </p:sp>
-      <p:sp>
-        <p:nvSpPr>
-          <p:cNvPr id="10" name="Footer Placeholder 9"/>
-          <p:cNvSpPr>
-            <a:spLocks noGrp="1"/>
-          </p:cNvSpPr>
-          <p:nvPr>
-            <p:ph type="ftr" sz="quarter" idx="3"/>
-          </p:nvPr>
-        </p:nvSpPr>
-        <p:spPr/>
-        <p:txBody>
-          <a:bodyPr/>
-          <a:lstStyle/>
-          <a:p>
-            <a:r>
-              <a:rPr lang="en-CA" dirty="0"/>
-              <a:t>CS321: Advanced Programming Techniques</a:t>
-            </a:r>
-          </a:p>
-        </p:txBody>
-      </p:sp>
-      <p:sp>
-        <p:nvSpPr>
-          <p:cNvPr id="12" name="Slide Number Placeholder 11"/>
-          <p:cNvSpPr>
-            <a:spLocks noGrp="1"/>
-          </p:cNvSpPr>
-          <p:nvPr>
-            <p:ph type="sldNum" sz="quarter" idx="4"/>
-          </p:nvPr>
-        </p:nvSpPr>
-        <p:spPr/>
-        <p:txBody>
-          <a:bodyPr/>
-          <a:lstStyle/>
-          <a:p>
-            <a:fld id="{5174927E-2439-42C0-9720-7BBCA09BF46F}" type="slidenum">
-              <a:rPr lang="en-CA" smtClean="0"/>
-              <a:pPr/>
-              <a:t>36</a:t>
-            </a:fld>
-            <a:r>
-              <a:rPr lang="en-CA" dirty="0"/>
-              <a:t> </a:t>
-            </a:r>
-          </a:p>
-        </p:txBody>
-      </p:sp>
-    </p:spTree>
-    <p:extLst>
-      <p:ext uri="{BB962C8B-B14F-4D97-AF65-F5344CB8AC3E}">
-        <p14:creationId xmlns:p14="http://schemas.microsoft.com/office/powerpoint/2010/main" val="592769764"/>
-      </p:ext>
-    </p:extLst>
-  </p:cSld>
-  <p:clrMapOvr>
-    <a:masterClrMapping/>
-  </p:clrMapOvr>
-</p:sld>
-</file>
-
-<file path=ppt/slides/slide37.xml><?xml version="1.0" encoding="utf-8"?>
-<p:sld xmlns:a="http://schemas.openxmlformats.org/drawingml/2006/main" xmlns:r="http://schemas.openxmlformats.org/officeDocument/2006/relationships" xmlns:p="http://schemas.openxmlformats.org/presentationml/2006/main">
-  <p:cSld>
-    <p:spTree>
-      <p:nvGrpSpPr>
-        <p:cNvPr id="1" name=""/>
-        <p:cNvGrpSpPr/>
-        <p:nvPr/>
-      </p:nvGrpSpPr>
-      <p:grpSpPr>
-        <a:xfrm>
-          <a:off x="0" y="0"/>
-          <a:ext cx="0" cy="0"/>
-          <a:chOff x="0" y="0"/>
-          <a:chExt cx="0" cy="0"/>
-        </a:xfrm>
-      </p:grpSpPr>
-      <p:sp>
-        <p:nvSpPr>
-          <p:cNvPr id="2" name="Title 1"/>
-          <p:cNvSpPr>
-            <a:spLocks noGrp="1"/>
-          </p:cNvSpPr>
-          <p:nvPr>
-            <p:ph type="title"/>
-          </p:nvPr>
-        </p:nvSpPr>
-        <p:spPr/>
-        <p:txBody>
-          <a:bodyPr/>
-          <a:lstStyle/>
-          <a:p>
-            <a:r>
-              <a:rPr lang="en-US" altLang="en-US" dirty="0"/>
-              <a:t>Format of Design Pattern Descriptions</a:t>
-            </a:r>
-            <a:endParaRPr lang="en-CA" dirty="0"/>
-          </a:p>
-        </p:txBody>
-      </p:sp>
-      <p:sp>
-        <p:nvSpPr>
-          <p:cNvPr id="3" name="Content Placeholder 2"/>
-          <p:cNvSpPr>
-            <a:spLocks noGrp="1"/>
-          </p:cNvSpPr>
-          <p:nvPr>
-            <p:ph idx="1"/>
-          </p:nvPr>
-        </p:nvSpPr>
-        <p:spPr>
-          <a:xfrm>
-            <a:off x="640874" y="1168401"/>
-            <a:ext cx="10515600" cy="5025922"/>
-          </a:xfrm>
-        </p:spPr>
-        <p:txBody>
-          <a:bodyPr>
-            <a:normAutofit fontScale="92500" lnSpcReduction="10000"/>
-          </a:bodyPr>
-          <a:lstStyle/>
-          <a:p>
-            <a:pPr>
-              <a:lnSpc>
-                <a:spcPct val="80000"/>
-              </a:lnSpc>
-            </a:pPr>
-            <a:r>
-              <a:rPr lang="en-US" altLang="en-US" sz="2800" b="1" dirty="0"/>
               <a:t>Implementation:</a:t>
             </a:r>
             <a:r>
@@ -10003,7 +9829,7 @@
             <a:fld id="{5174927E-2439-42C0-9720-7BBCA09BF46F}" type="slidenum">
               <a:rPr lang="en-CA" smtClean="0"/>
               <a:pPr/>
-              <a:t>37</a:t>
+              <a:t>36</a:t>
             </a:fld>
             <a:r>
               <a:rPr lang="en-CA" dirty="0"/>

--- a/bishops/cs321/resources/CS321_Lecture_14.pptx
+++ b/bishops/cs321/resources/CS321_Lecture_14.pptx
@@ -144,7 +144,7 @@
   </p:defaultTextStyle>
   <p:extLst>
     <p:ext uri="{EFAFB233-063F-42B5-8137-9DF3F51BA10A}">
-      <p15:sldGuideLst xmlns:p15="http://schemas.microsoft.com/office/powerpoint/2012/main"/>
+      <p15:sldGuideLst xmlns:p15="http://schemas.microsoft.com/office/powerpoint/2012/main" xmlns=""/>
     </p:ext>
   </p:extLst>
 </p:presentation>
@@ -155,7 +155,7 @@
   <p:cmAuthor id="1" name="Gregory" initials="G" lastIdx="1" clrIdx="0">
     <p:extLst>
       <p:ext uri="{19B8F6BF-5375-455C-9EA6-DF929625EA0E}">
-        <p15:presenceInfo xmlns:p15="http://schemas.microsoft.com/office/powerpoint/2012/main" userId="Gregory" providerId="None"/>
+        <p15:presenceInfo xmlns:p15="http://schemas.microsoft.com/office/powerpoint/2012/main" xmlns="" userId="Gregory" providerId="None"/>
       </p:ext>
     </p:extLst>
   </p:cmAuthor>
@@ -244,7 +244,8 @@
           <a:p>
             <a:fld id="{A6583E9D-07AB-4C6D-BFD0-47E805C6B3D4}" type="datetimeFigureOut">
               <a:rPr lang="en-CA" smtClean="0"/>
-              <a:t>2022-03-13</a:t>
+              <a:pPr/>
+              <a:t>2024-03-08</a:t>
             </a:fld>
             <a:endParaRPr lang="en-CA"/>
           </a:p>
@@ -403,6 +404,7 @@
           <a:p>
             <a:fld id="{8F20841C-25C9-4C0C-A7FA-C4A363D14F5A}" type="slidenum">
               <a:rPr lang="en-CA" smtClean="0"/>
+              <a:pPr/>
               <a:t>‹#›</a:t>
             </a:fld>
             <a:endParaRPr lang="en-CA"/>
@@ -412,7 +414,7 @@
     </p:spTree>
     <p:extLst>
       <p:ext uri="{BB962C8B-B14F-4D97-AF65-F5344CB8AC3E}">
-        <p14:creationId xmlns:p14="http://schemas.microsoft.com/office/powerpoint/2010/main" val="4237529172"/>
+        <p14:creationId xmlns:p14="http://schemas.microsoft.com/office/powerpoint/2010/main" xmlns="" val="4237529172"/>
       </p:ext>
     </p:extLst>
   </p:cSld>
@@ -556,14 +558,6 @@
           <a:bodyPr/>
           <a:lstStyle/>
           <a:p>
-            <a:r>
-              <a:rPr lang="en-CA" dirty="0"/>
-              <a:t>Multi-instrument</a:t>
-            </a:r>
-            <a:r>
-              <a:rPr lang="en-CA" baseline="0" dirty="0"/>
-              <a:t> / Multi-instrument Inter-process (minus the)-with Eye Trackers-</a:t>
-            </a:r>
             <a:endParaRPr lang="en-CA" dirty="0"/>
           </a:p>
         </p:txBody>
@@ -585,6 +579,7 @@
           <a:p>
             <a:fld id="{8F20841C-25C9-4C0C-A7FA-C4A363D14F5A}" type="slidenum">
               <a:rPr lang="en-CA" smtClean="0"/>
+              <a:pPr/>
               <a:t>1</a:t>
             </a:fld>
             <a:endParaRPr lang="en-CA"/>
@@ -594,7 +589,7 @@
     </p:spTree>
     <p:extLst>
       <p:ext uri="{BB962C8B-B14F-4D97-AF65-F5344CB8AC3E}">
-        <p14:creationId xmlns:p14="http://schemas.microsoft.com/office/powerpoint/2010/main" val="2340334442"/>
+        <p14:creationId xmlns:p14="http://schemas.microsoft.com/office/powerpoint/2010/main" xmlns="" val="2340334442"/>
       </p:ext>
     </p:extLst>
   </p:cSld>
@@ -788,6 +783,7 @@
           <a:p>
             <a:fld id="{5174927E-2439-42C0-9720-7BBCA09BF46F}" type="slidenum">
               <a:rPr lang="en-CA" smtClean="0"/>
+              <a:pPr/>
               <a:t>‹#›</a:t>
             </a:fld>
             <a:endParaRPr lang="en-CA"/>
@@ -797,7 +793,7 @@
     </p:spTree>
     <p:extLst>
       <p:ext uri="{BB962C8B-B14F-4D97-AF65-F5344CB8AC3E}">
-        <p14:creationId xmlns:p14="http://schemas.microsoft.com/office/powerpoint/2010/main" val="1900560834"/>
+        <p14:creationId xmlns:p14="http://schemas.microsoft.com/office/powerpoint/2010/main" xmlns="" val="1900560834"/>
       </p:ext>
     </p:extLst>
   </p:cSld>
@@ -961,6 +957,7 @@
           <a:p>
             <a:fld id="{5174927E-2439-42C0-9720-7BBCA09BF46F}" type="slidenum">
               <a:rPr lang="en-CA" smtClean="0"/>
+              <a:pPr/>
               <a:t>‹#›</a:t>
             </a:fld>
             <a:endParaRPr lang="en-CA"/>
@@ -970,7 +967,7 @@
     </p:spTree>
     <p:extLst>
       <p:ext uri="{BB962C8B-B14F-4D97-AF65-F5344CB8AC3E}">
-        <p14:creationId xmlns:p14="http://schemas.microsoft.com/office/powerpoint/2010/main" val="3722958745"/>
+        <p14:creationId xmlns:p14="http://schemas.microsoft.com/office/powerpoint/2010/main" xmlns="" val="3722958745"/>
       </p:ext>
     </p:extLst>
   </p:cSld>
@@ -1206,7 +1203,7 @@
     </p:spTree>
     <p:extLst>
       <p:ext uri="{BB962C8B-B14F-4D97-AF65-F5344CB8AC3E}">
-        <p14:creationId xmlns:p14="http://schemas.microsoft.com/office/powerpoint/2010/main" val="1822376042"/>
+        <p14:creationId xmlns:p14="http://schemas.microsoft.com/office/powerpoint/2010/main" xmlns="" val="1822376042"/>
       </p:ext>
     </p:extLst>
   </p:cSld>
@@ -1446,6 +1443,7 @@
           <a:p>
             <a:fld id="{5174927E-2439-42C0-9720-7BBCA09BF46F}" type="slidenum">
               <a:rPr lang="en-CA" smtClean="0"/>
+              <a:pPr/>
               <a:t>‹#›</a:t>
             </a:fld>
             <a:endParaRPr lang="en-CA"/>
@@ -1455,7 +1453,7 @@
     </p:spTree>
     <p:extLst>
       <p:ext uri="{BB962C8B-B14F-4D97-AF65-F5344CB8AC3E}">
-        <p14:creationId xmlns:p14="http://schemas.microsoft.com/office/powerpoint/2010/main" val="3411672561"/>
+        <p14:creationId xmlns:p14="http://schemas.microsoft.com/office/powerpoint/2010/main" xmlns="" val="3411672561"/>
       </p:ext>
     </p:extLst>
   </p:cSld>
@@ -1681,6 +1679,7 @@
           <a:p>
             <a:fld id="{5174927E-2439-42C0-9720-7BBCA09BF46F}" type="slidenum">
               <a:rPr lang="en-CA" smtClean="0"/>
+              <a:pPr/>
               <a:t>‹#›</a:t>
             </a:fld>
             <a:endParaRPr lang="en-CA"/>
@@ -1690,7 +1689,7 @@
     </p:spTree>
     <p:extLst>
       <p:ext uri="{BB962C8B-B14F-4D97-AF65-F5344CB8AC3E}">
-        <p14:creationId xmlns:p14="http://schemas.microsoft.com/office/powerpoint/2010/main" val="1093008526"/>
+        <p14:creationId xmlns:p14="http://schemas.microsoft.com/office/powerpoint/2010/main" xmlns="" val="1093008526"/>
       </p:ext>
     </p:extLst>
   </p:cSld>
@@ -2051,6 +2050,7 @@
           <a:p>
             <a:fld id="{5174927E-2439-42C0-9720-7BBCA09BF46F}" type="slidenum">
               <a:rPr lang="en-CA" smtClean="0"/>
+              <a:pPr/>
               <a:t>‹#›</a:t>
             </a:fld>
             <a:endParaRPr lang="en-CA"/>
@@ -2060,7 +2060,7 @@
     </p:spTree>
     <p:extLst>
       <p:ext uri="{BB962C8B-B14F-4D97-AF65-F5344CB8AC3E}">
-        <p14:creationId xmlns:p14="http://schemas.microsoft.com/office/powerpoint/2010/main" val="1087924878"/>
+        <p14:creationId xmlns:p14="http://schemas.microsoft.com/office/powerpoint/2010/main" xmlns="" val="1087924878"/>
       </p:ext>
     </p:extLst>
   </p:cSld>
@@ -2172,6 +2172,7 @@
           <a:p>
             <a:fld id="{5174927E-2439-42C0-9720-7BBCA09BF46F}" type="slidenum">
               <a:rPr lang="en-CA" smtClean="0"/>
+              <a:pPr/>
               <a:t>‹#›</a:t>
             </a:fld>
             <a:endParaRPr lang="en-CA"/>
@@ -2181,7 +2182,7 @@
     </p:spTree>
     <p:extLst>
       <p:ext uri="{BB962C8B-B14F-4D97-AF65-F5344CB8AC3E}">
-        <p14:creationId xmlns:p14="http://schemas.microsoft.com/office/powerpoint/2010/main" val="3802387408"/>
+        <p14:creationId xmlns:p14="http://schemas.microsoft.com/office/powerpoint/2010/main" xmlns="" val="3802387408"/>
       </p:ext>
     </p:extLst>
   </p:cSld>
@@ -2270,6 +2271,7 @@
           <a:p>
             <a:fld id="{5174927E-2439-42C0-9720-7BBCA09BF46F}" type="slidenum">
               <a:rPr lang="en-CA" smtClean="0"/>
+              <a:pPr/>
               <a:t>‹#›</a:t>
             </a:fld>
             <a:endParaRPr lang="en-CA"/>
@@ -2279,7 +2281,7 @@
     </p:spTree>
     <p:extLst>
       <p:ext uri="{BB962C8B-B14F-4D97-AF65-F5344CB8AC3E}">
-        <p14:creationId xmlns:p14="http://schemas.microsoft.com/office/powerpoint/2010/main" val="4234091411"/>
+        <p14:creationId xmlns:p14="http://schemas.microsoft.com/office/powerpoint/2010/main" xmlns="" val="4234091411"/>
       </p:ext>
     </p:extLst>
   </p:cSld>
@@ -2550,6 +2552,7 @@
           <a:p>
             <a:fld id="{5174927E-2439-42C0-9720-7BBCA09BF46F}" type="slidenum">
               <a:rPr lang="en-CA" smtClean="0"/>
+              <a:pPr/>
               <a:t>‹#›</a:t>
             </a:fld>
             <a:endParaRPr lang="en-CA"/>
@@ -2559,7 +2562,7 @@
     </p:spTree>
     <p:extLst>
       <p:ext uri="{BB962C8B-B14F-4D97-AF65-F5344CB8AC3E}">
-        <p14:creationId xmlns:p14="http://schemas.microsoft.com/office/powerpoint/2010/main" val="4189422420"/>
+        <p14:creationId xmlns:p14="http://schemas.microsoft.com/office/powerpoint/2010/main" xmlns="" val="4189422420"/>
       </p:ext>
     </p:extLst>
   </p:cSld>
@@ -2806,6 +2809,7 @@
           <a:p>
             <a:fld id="{5174927E-2439-42C0-9720-7BBCA09BF46F}" type="slidenum">
               <a:rPr lang="en-CA" smtClean="0"/>
+              <a:pPr/>
               <a:t>‹#›</a:t>
             </a:fld>
             <a:endParaRPr lang="en-CA"/>
@@ -2815,7 +2819,7 @@
     </p:spTree>
     <p:extLst>
       <p:ext uri="{BB962C8B-B14F-4D97-AF65-F5344CB8AC3E}">
-        <p14:creationId xmlns:p14="http://schemas.microsoft.com/office/powerpoint/2010/main" val="3252977898"/>
+        <p14:creationId xmlns:p14="http://schemas.microsoft.com/office/powerpoint/2010/main" xmlns="" val="3252977898"/>
       </p:ext>
     </p:extLst>
   </p:cSld>
@@ -3081,10 +3085,10 @@
           <p:nvPr userDrawn="1"/>
         </p:nvPicPr>
         <p:blipFill>
-          <a:blip r:embed="rId13">
+          <a:blip r:embed="rId13" cstate="print">
             <a:extLst>
               <a:ext uri="{28A0092B-C50C-407E-A947-70E740481C1C}">
-                <a14:useLocalDpi xmlns:a14="http://schemas.microsoft.com/office/drawing/2010/main" val="0"/>
+                <a14:useLocalDpi xmlns:a14="http://schemas.microsoft.com/office/drawing/2010/main" xmlns="" val="0"/>
               </a:ext>
             </a:extLst>
           </a:blip>
@@ -3105,7 +3109,7 @@
     </p:spTree>
     <p:extLst>
       <p:ext uri="{BB962C8B-B14F-4D97-AF65-F5344CB8AC3E}">
-        <p14:creationId xmlns:p14="http://schemas.microsoft.com/office/powerpoint/2010/main" val="4230061028"/>
+        <p14:creationId xmlns:p14="http://schemas.microsoft.com/office/powerpoint/2010/main" xmlns="" val="4230061028"/>
       </p:ext>
     </p:extLst>
   </p:cSld>
@@ -3543,12 +3547,6 @@
             <a:endParaRPr lang="en-CA" baseline="30000" dirty="0"/>
           </a:p>
           <a:p>
-            <a:r>
-              <a:rPr lang="en-CA" dirty="0"/>
-              <a:t>Date: January 31, 2022</a:t>
-            </a:r>
-          </a:p>
-          <a:p>
             <a:endParaRPr lang="en-CA" dirty="0"/>
           </a:p>
         </p:txBody>
@@ -3558,7 +3556,7 @@
           <p:cNvPr id="13" name="Picture 8" descr="http://osiris.ubishops.ca/~alussier/images/transparentlogo_bu.png">
             <a:extLst>
               <a:ext uri="{FF2B5EF4-FFF2-40B4-BE49-F238E27FC236}">
-                <a16:creationId xmlns:a16="http://schemas.microsoft.com/office/drawing/2014/main" id="{CCB9A035-2F1C-4B96-A5DB-70B72D6E4AD8}"/>
+                <a16:creationId xmlns:a16="http://schemas.microsoft.com/office/drawing/2014/main" xmlns="" id="{CCB9A035-2F1C-4B96-A5DB-70B72D6E4AD8}"/>
               </a:ext>
             </a:extLst>
           </p:cNvPr>
@@ -3568,10 +3566,10 @@
           <p:nvPr/>
         </p:nvPicPr>
         <p:blipFill>
-          <a:blip r:embed="rId3">
+          <a:blip r:embed="rId3" cstate="print">
             <a:extLst>
               <a:ext uri="{28A0092B-C50C-407E-A947-70E740481C1C}">
-                <a14:useLocalDpi xmlns:a14="http://schemas.microsoft.com/office/drawing/2010/main" val="0"/>
+                <a14:useLocalDpi xmlns:a14="http://schemas.microsoft.com/office/drawing/2010/main" xmlns="" val="0"/>
               </a:ext>
             </a:extLst>
           </a:blip>
@@ -3591,7 +3589,7 @@
           <a:noFill/>
           <a:extLst>
             <a:ext uri="{909E8E84-426E-40DD-AFC4-6F175D3DCCD1}">
-              <a14:hiddenFill xmlns:a14="http://schemas.microsoft.com/office/drawing/2010/main">
+              <a14:hiddenFill xmlns:a14="http://schemas.microsoft.com/office/drawing/2010/main" xmlns="">
                 <a:solidFill>
                   <a:srgbClr val="FFFFFF"/>
                 </a:solidFill>
@@ -3603,7 +3601,7 @@
     </p:spTree>
     <p:extLst>
       <p:ext uri="{BB962C8B-B14F-4D97-AF65-F5344CB8AC3E}">
-        <p14:creationId xmlns:p14="http://schemas.microsoft.com/office/powerpoint/2010/main" val="4177077622"/>
+        <p14:creationId xmlns:p14="http://schemas.microsoft.com/office/powerpoint/2010/main" xmlns="" val="4177077622"/>
       </p:ext>
     </p:extLst>
   </p:cSld>
@@ -3743,28 +3741,6 @@
       </p:sp>
       <p:sp>
         <p:nvSpPr>
-          <p:cNvPr id="6" name="Date Placeholder 5"/>
-          <p:cNvSpPr>
-            <a:spLocks noGrp="1"/>
-          </p:cNvSpPr>
-          <p:nvPr>
-            <p:ph type="dt" sz="half" idx="2"/>
-          </p:nvPr>
-        </p:nvSpPr>
-        <p:spPr/>
-        <p:txBody>
-          <a:bodyPr/>
-          <a:lstStyle/>
-          <a:p>
-            <a:r>
-              <a:rPr lang="en-CA" dirty="0"/>
-              <a:t>Winter 2022</a:t>
-            </a:r>
-          </a:p>
-        </p:txBody>
-      </p:sp>
-      <p:sp>
-        <p:nvSpPr>
           <p:cNvPr id="10" name="Footer Placeholder 9"/>
           <p:cNvSpPr>
             <a:spLocks noGrp="1"/>
@@ -3815,7 +3791,7 @@
     </p:spTree>
     <p:extLst>
       <p:ext uri="{BB962C8B-B14F-4D97-AF65-F5344CB8AC3E}">
-        <p14:creationId xmlns:p14="http://schemas.microsoft.com/office/powerpoint/2010/main" val="3830296394"/>
+        <p14:creationId xmlns:p14="http://schemas.microsoft.com/office/powerpoint/2010/main" xmlns="" val="3830296394"/>
       </p:ext>
     </p:extLst>
   </p:cSld>
@@ -3954,28 +3930,6 @@
       </p:sp>
       <p:sp>
         <p:nvSpPr>
-          <p:cNvPr id="6" name="Date Placeholder 5"/>
-          <p:cNvSpPr>
-            <a:spLocks noGrp="1"/>
-          </p:cNvSpPr>
-          <p:nvPr>
-            <p:ph type="dt" sz="half" idx="2"/>
-          </p:nvPr>
-        </p:nvSpPr>
-        <p:spPr/>
-        <p:txBody>
-          <a:bodyPr/>
-          <a:lstStyle/>
-          <a:p>
-            <a:r>
-              <a:rPr lang="en-CA" dirty="0"/>
-              <a:t>Winter 2022</a:t>
-            </a:r>
-          </a:p>
-        </p:txBody>
-      </p:sp>
-      <p:sp>
-        <p:nvSpPr>
           <p:cNvPr id="10" name="Footer Placeholder 9"/>
           <p:cNvSpPr>
             <a:spLocks noGrp="1"/>
@@ -4026,7 +3980,7 @@
     </p:spTree>
     <p:extLst>
       <p:ext uri="{BB962C8B-B14F-4D97-AF65-F5344CB8AC3E}">
-        <p14:creationId xmlns:p14="http://schemas.microsoft.com/office/powerpoint/2010/main" val="312691650"/>
+        <p14:creationId xmlns:p14="http://schemas.microsoft.com/office/powerpoint/2010/main" xmlns="" val="312691650"/>
       </p:ext>
     </p:extLst>
   </p:cSld>
@@ -4074,28 +4028,6 @@
       </p:sp>
       <p:sp>
         <p:nvSpPr>
-          <p:cNvPr id="6" name="Date Placeholder 5"/>
-          <p:cNvSpPr>
-            <a:spLocks noGrp="1"/>
-          </p:cNvSpPr>
-          <p:nvPr>
-            <p:ph type="dt" sz="half" idx="2"/>
-          </p:nvPr>
-        </p:nvSpPr>
-        <p:spPr/>
-        <p:txBody>
-          <a:bodyPr/>
-          <a:lstStyle/>
-          <a:p>
-            <a:r>
-              <a:rPr lang="en-CA" dirty="0"/>
-              <a:t>Winter 2022</a:t>
-            </a:r>
-          </a:p>
-        </p:txBody>
-      </p:sp>
-      <p:sp>
-        <p:nvSpPr>
           <p:cNvPr id="10" name="Footer Placeholder 9"/>
           <p:cNvSpPr>
             <a:spLocks noGrp="1"/>
@@ -4148,7 +4080,7 @@
           <p:cNvPr id="8" name="Rectangle 2">
             <a:extLst>
               <a:ext uri="{FF2B5EF4-FFF2-40B4-BE49-F238E27FC236}">
-                <a16:creationId xmlns:a16="http://schemas.microsoft.com/office/drawing/2014/main" id="{FE649F28-6A30-4E4C-A8DE-688A70DC4109}"/>
+                <a16:creationId xmlns:a16="http://schemas.microsoft.com/office/drawing/2014/main" xmlns="" id="{FE649F28-6A30-4E4C-A8DE-688A70DC4109}"/>
               </a:ext>
             </a:extLst>
           </p:cNvPr>
@@ -4192,12 +4124,24 @@
                 </a:solidFill>
               </a:rPr>
             </a:br>
+            <a:r>
+              <a:rPr lang="en-US" altLang="en-US" sz="2000" dirty="0"/>
+              <a:t/>
+            </a:r>
             <a:br>
               <a:rPr lang="en-US" altLang="en-US" sz="2000" dirty="0"/>
             </a:br>
+            <a:r>
+              <a:rPr lang="en-US" altLang="en-US" sz="2000" dirty="0"/>
+              <a:t/>
+            </a:r>
             <a:br>
               <a:rPr lang="en-US" altLang="en-US" sz="2000" dirty="0"/>
             </a:br>
+            <a:r>
+              <a:rPr lang="en-US" altLang="en-US" sz="2000" dirty="0"/>
+              <a:t/>
+            </a:r>
             <a:br>
               <a:rPr lang="en-US" altLang="en-US" sz="2000" dirty="0"/>
             </a:br>
@@ -4227,9 +4171,17 @@
             <a:br>
               <a:rPr lang="en-US" altLang="en-US" sz="2000" dirty="0"/>
             </a:br>
+            <a:r>
+              <a:rPr lang="en-US" altLang="en-US" sz="2000" dirty="0"/>
+              <a:t/>
+            </a:r>
             <a:br>
               <a:rPr lang="en-US" altLang="en-US" sz="2000" dirty="0"/>
             </a:br>
+            <a:r>
+              <a:rPr lang="en-US" altLang="en-US" sz="2000" dirty="0"/>
+              <a:t/>
+            </a:r>
             <a:br>
               <a:rPr lang="en-US" altLang="en-US" sz="2000" dirty="0"/>
             </a:br>
@@ -4274,6 +4226,14 @@
                 </a:solidFill>
               </a:rPr>
             </a:br>
+            <a:r>
+              <a:rPr lang="en-US" altLang="en-US" sz="2800" dirty="0">
+                <a:solidFill>
+                  <a:srgbClr val="FF5050"/>
+                </a:solidFill>
+              </a:rPr>
+              <a:t/>
+            </a:r>
             <a:br>
               <a:rPr lang="en-US" altLang="en-US" sz="2800" dirty="0">
                 <a:solidFill>
@@ -4330,7 +4290,7 @@
           <p:cNvPr id="9" name="Picture 6">
             <a:extLst>
               <a:ext uri="{FF2B5EF4-FFF2-40B4-BE49-F238E27FC236}">
-                <a16:creationId xmlns:a16="http://schemas.microsoft.com/office/drawing/2014/main" id="{3A8C8421-E85A-4ADB-B502-7FCAEF961CA0}"/>
+                <a16:creationId xmlns:a16="http://schemas.microsoft.com/office/drawing/2014/main" xmlns="" id="{3A8C8421-E85A-4ADB-B502-7FCAEF961CA0}"/>
               </a:ext>
             </a:extLst>
           </p:cNvPr>
@@ -4343,7 +4303,7 @@
           <a:blip r:embed="rId2">
             <a:extLst>
               <a:ext uri="{28A0092B-C50C-407E-A947-70E740481C1C}">
-                <a14:useLocalDpi xmlns:a14="http://schemas.microsoft.com/office/drawing/2010/main" val="0"/>
+                <a14:useLocalDpi xmlns:a14="http://schemas.microsoft.com/office/drawing/2010/main" xmlns="" val="0"/>
               </a:ext>
             </a:extLst>
           </a:blip>
@@ -4367,14 +4327,14 @@
           <a:effectLst/>
           <a:extLst>
             <a:ext uri="{909E8E84-426E-40DD-AFC4-6F175D3DCCD1}">
-              <a14:hiddenFill xmlns:a14="http://schemas.microsoft.com/office/drawing/2010/main">
+              <a14:hiddenFill xmlns:a14="http://schemas.microsoft.com/office/drawing/2010/main" xmlns="">
                 <a:solidFill>
                   <a:schemeClr val="accent1"/>
                 </a:solidFill>
               </a14:hiddenFill>
             </a:ext>
             <a:ext uri="{91240B29-F687-4F45-9708-019B960494DF}">
-              <a14:hiddenLine xmlns:a14="http://schemas.microsoft.com/office/drawing/2010/main" w="19050">
+              <a14:hiddenLine xmlns:a14="http://schemas.microsoft.com/office/drawing/2010/main" xmlns="" w="19050">
                 <a:solidFill>
                   <a:schemeClr val="tx1"/>
                 </a:solidFill>
@@ -4384,7 +4344,7 @@
               </a14:hiddenLine>
             </a:ext>
             <a:ext uri="{AF507438-7753-43E0-B8FC-AC1667EBCBE1}">
-              <a14:hiddenEffects xmlns:a14="http://schemas.microsoft.com/office/drawing/2010/main">
+              <a14:hiddenEffects xmlns:a14="http://schemas.microsoft.com/office/drawing/2010/main" xmlns="">
                 <a:effectLst>
                   <a:outerShdw dist="35921" dir="2700000" algn="ctr" rotWithShape="0">
                     <a:schemeClr val="bg2"/>
@@ -4398,7 +4358,7 @@
     </p:spTree>
     <p:extLst>
       <p:ext uri="{BB962C8B-B14F-4D97-AF65-F5344CB8AC3E}">
-        <p14:creationId xmlns:p14="http://schemas.microsoft.com/office/powerpoint/2010/main" val="2325179049"/>
+        <p14:creationId xmlns:p14="http://schemas.microsoft.com/office/powerpoint/2010/main" xmlns="" val="2325179049"/>
       </p:ext>
     </p:extLst>
   </p:cSld>
@@ -4579,28 +4539,6 @@
       </p:sp>
       <p:sp>
         <p:nvSpPr>
-          <p:cNvPr id="6" name="Date Placeholder 5"/>
-          <p:cNvSpPr>
-            <a:spLocks noGrp="1"/>
-          </p:cNvSpPr>
-          <p:nvPr>
-            <p:ph type="dt" sz="half" idx="2"/>
-          </p:nvPr>
-        </p:nvSpPr>
-        <p:spPr/>
-        <p:txBody>
-          <a:bodyPr/>
-          <a:lstStyle/>
-          <a:p>
-            <a:r>
-              <a:rPr lang="en-CA" dirty="0"/>
-              <a:t>Winter 2022</a:t>
-            </a:r>
-          </a:p>
-        </p:txBody>
-      </p:sp>
-      <p:sp>
-        <p:nvSpPr>
           <p:cNvPr id="10" name="Footer Placeholder 9"/>
           <p:cNvSpPr>
             <a:spLocks noGrp="1"/>
@@ -4651,7 +4589,7 @@
     </p:spTree>
     <p:extLst>
       <p:ext uri="{BB962C8B-B14F-4D97-AF65-F5344CB8AC3E}">
-        <p14:creationId xmlns:p14="http://schemas.microsoft.com/office/powerpoint/2010/main" val="3064902311"/>
+        <p14:creationId xmlns:p14="http://schemas.microsoft.com/office/powerpoint/2010/main" xmlns="" val="3064902311"/>
       </p:ext>
     </p:extLst>
   </p:cSld>
@@ -4772,28 +4710,6 @@
       </p:sp>
       <p:sp>
         <p:nvSpPr>
-          <p:cNvPr id="6" name="Date Placeholder 5"/>
-          <p:cNvSpPr>
-            <a:spLocks noGrp="1"/>
-          </p:cNvSpPr>
-          <p:nvPr>
-            <p:ph type="dt" sz="half" idx="2"/>
-          </p:nvPr>
-        </p:nvSpPr>
-        <p:spPr/>
-        <p:txBody>
-          <a:bodyPr/>
-          <a:lstStyle/>
-          <a:p>
-            <a:r>
-              <a:rPr lang="en-CA" dirty="0"/>
-              <a:t>Winter 2022</a:t>
-            </a:r>
-          </a:p>
-        </p:txBody>
-      </p:sp>
-      <p:sp>
-        <p:nvSpPr>
           <p:cNvPr id="10" name="Footer Placeholder 9"/>
           <p:cNvSpPr>
             <a:spLocks noGrp="1"/>
@@ -4844,7 +4760,7 @@
     </p:spTree>
     <p:extLst>
       <p:ext uri="{BB962C8B-B14F-4D97-AF65-F5344CB8AC3E}">
-        <p14:creationId xmlns:p14="http://schemas.microsoft.com/office/powerpoint/2010/main" val="4198276298"/>
+        <p14:creationId xmlns:p14="http://schemas.microsoft.com/office/powerpoint/2010/main" xmlns="" val="4198276298"/>
       </p:ext>
     </p:extLst>
   </p:cSld>
@@ -4948,28 +4864,6 @@
       </p:sp>
       <p:sp>
         <p:nvSpPr>
-          <p:cNvPr id="6" name="Date Placeholder 5"/>
-          <p:cNvSpPr>
-            <a:spLocks noGrp="1"/>
-          </p:cNvSpPr>
-          <p:nvPr>
-            <p:ph type="dt" sz="half" idx="2"/>
-          </p:nvPr>
-        </p:nvSpPr>
-        <p:spPr/>
-        <p:txBody>
-          <a:bodyPr/>
-          <a:lstStyle/>
-          <a:p>
-            <a:r>
-              <a:rPr lang="en-CA" dirty="0"/>
-              <a:t>Winter 2022</a:t>
-            </a:r>
-          </a:p>
-        </p:txBody>
-      </p:sp>
-      <p:sp>
-        <p:nvSpPr>
           <p:cNvPr id="10" name="Footer Placeholder 9"/>
           <p:cNvSpPr>
             <a:spLocks noGrp="1"/>
@@ -5020,7 +4914,7 @@
     </p:spTree>
     <p:extLst>
       <p:ext uri="{BB962C8B-B14F-4D97-AF65-F5344CB8AC3E}">
-        <p14:creationId xmlns:p14="http://schemas.microsoft.com/office/powerpoint/2010/main" val="677536238"/>
+        <p14:creationId xmlns:p14="http://schemas.microsoft.com/office/powerpoint/2010/main" xmlns="" val="677536238"/>
       </p:ext>
     </p:extLst>
   </p:cSld>
@@ -5163,28 +5057,6 @@
       </p:sp>
       <p:sp>
         <p:nvSpPr>
-          <p:cNvPr id="6" name="Date Placeholder 5"/>
-          <p:cNvSpPr>
-            <a:spLocks noGrp="1"/>
-          </p:cNvSpPr>
-          <p:nvPr>
-            <p:ph type="dt" sz="half" idx="2"/>
-          </p:nvPr>
-        </p:nvSpPr>
-        <p:spPr/>
-        <p:txBody>
-          <a:bodyPr/>
-          <a:lstStyle/>
-          <a:p>
-            <a:r>
-              <a:rPr lang="en-CA" dirty="0"/>
-              <a:t>Winter 2022</a:t>
-            </a:r>
-          </a:p>
-        </p:txBody>
-      </p:sp>
-      <p:sp>
-        <p:nvSpPr>
           <p:cNvPr id="10" name="Footer Placeholder 9"/>
           <p:cNvSpPr>
             <a:spLocks noGrp="1"/>
@@ -5235,7 +5107,7 @@
     </p:spTree>
     <p:extLst>
       <p:ext uri="{BB962C8B-B14F-4D97-AF65-F5344CB8AC3E}">
-        <p14:creationId xmlns:p14="http://schemas.microsoft.com/office/powerpoint/2010/main" val="668752758"/>
+        <p14:creationId xmlns:p14="http://schemas.microsoft.com/office/powerpoint/2010/main" xmlns="" val="668752758"/>
       </p:ext>
     </p:extLst>
   </p:cSld>
@@ -5334,28 +5206,6 @@
       </p:sp>
       <p:sp>
         <p:nvSpPr>
-          <p:cNvPr id="6" name="Date Placeholder 5"/>
-          <p:cNvSpPr>
-            <a:spLocks noGrp="1"/>
-          </p:cNvSpPr>
-          <p:nvPr>
-            <p:ph type="dt" sz="half" idx="2"/>
-          </p:nvPr>
-        </p:nvSpPr>
-        <p:spPr/>
-        <p:txBody>
-          <a:bodyPr/>
-          <a:lstStyle/>
-          <a:p>
-            <a:r>
-              <a:rPr lang="en-CA" dirty="0"/>
-              <a:t>Winter 2022</a:t>
-            </a:r>
-          </a:p>
-        </p:txBody>
-      </p:sp>
-      <p:sp>
-        <p:nvSpPr>
           <p:cNvPr id="10" name="Footer Placeholder 9"/>
           <p:cNvSpPr>
             <a:spLocks noGrp="1"/>
@@ -5406,7 +5256,7 @@
     </p:spTree>
     <p:extLst>
       <p:ext uri="{BB962C8B-B14F-4D97-AF65-F5344CB8AC3E}">
-        <p14:creationId xmlns:p14="http://schemas.microsoft.com/office/powerpoint/2010/main" val="132232297"/>
+        <p14:creationId xmlns:p14="http://schemas.microsoft.com/office/powerpoint/2010/main" xmlns="" val="132232297"/>
       </p:ext>
     </p:extLst>
   </p:cSld>
@@ -5494,28 +5344,6 @@
       </p:sp>
       <p:sp>
         <p:nvSpPr>
-          <p:cNvPr id="6" name="Date Placeholder 5"/>
-          <p:cNvSpPr>
-            <a:spLocks noGrp="1"/>
-          </p:cNvSpPr>
-          <p:nvPr>
-            <p:ph type="dt" sz="half" idx="2"/>
-          </p:nvPr>
-        </p:nvSpPr>
-        <p:spPr/>
-        <p:txBody>
-          <a:bodyPr/>
-          <a:lstStyle/>
-          <a:p>
-            <a:r>
-              <a:rPr lang="en-CA" dirty="0"/>
-              <a:t>Winter 2022</a:t>
-            </a:r>
-          </a:p>
-        </p:txBody>
-      </p:sp>
-      <p:sp>
-        <p:nvSpPr>
           <p:cNvPr id="10" name="Footer Placeholder 9"/>
           <p:cNvSpPr>
             <a:spLocks noGrp="1"/>
@@ -5566,7 +5394,7 @@
     </p:spTree>
     <p:extLst>
       <p:ext uri="{BB962C8B-B14F-4D97-AF65-F5344CB8AC3E}">
-        <p14:creationId xmlns:p14="http://schemas.microsoft.com/office/powerpoint/2010/main" val="2778576912"/>
+        <p14:creationId xmlns:p14="http://schemas.microsoft.com/office/powerpoint/2010/main" xmlns="" val="2778576912"/>
       </p:ext>
     </p:extLst>
   </p:cSld>
@@ -5647,28 +5475,6 @@
       </p:sp>
       <p:sp>
         <p:nvSpPr>
-          <p:cNvPr id="6" name="Date Placeholder 5"/>
-          <p:cNvSpPr>
-            <a:spLocks noGrp="1"/>
-          </p:cNvSpPr>
-          <p:nvPr>
-            <p:ph type="dt" sz="half" idx="2"/>
-          </p:nvPr>
-        </p:nvSpPr>
-        <p:spPr/>
-        <p:txBody>
-          <a:bodyPr/>
-          <a:lstStyle/>
-          <a:p>
-            <a:r>
-              <a:rPr lang="en-CA" dirty="0"/>
-              <a:t>Winter 2022</a:t>
-            </a:r>
-          </a:p>
-        </p:txBody>
-      </p:sp>
-      <p:sp>
-        <p:nvSpPr>
           <p:cNvPr id="10" name="Footer Placeholder 9"/>
           <p:cNvSpPr>
             <a:spLocks noGrp="1"/>
@@ -5721,7 +5527,7 @@
           <p:cNvPr id="7" name="Rectangle 4">
             <a:extLst>
               <a:ext uri="{FF2B5EF4-FFF2-40B4-BE49-F238E27FC236}">
-                <a16:creationId xmlns:a16="http://schemas.microsoft.com/office/drawing/2014/main" id="{8E309560-23E8-4E48-A6C9-0E7BA80256A3}"/>
+                <a16:creationId xmlns:a16="http://schemas.microsoft.com/office/drawing/2014/main" xmlns="" id="{8E309560-23E8-4E48-A6C9-0E7BA80256A3}"/>
               </a:ext>
             </a:extLst>
           </p:cNvPr>
@@ -5744,14 +5550,14 @@
           </a:ln>
           <a:extLst>
             <a:ext uri="{909E8E84-426E-40DD-AFC4-6F175D3DCCD1}">
-              <a14:hiddenFill xmlns:a14="http://schemas.microsoft.com/office/drawing/2010/main">
+              <a14:hiddenFill xmlns:a14="http://schemas.microsoft.com/office/drawing/2010/main" xmlns="">
                 <a:solidFill>
                   <a:schemeClr val="accent1"/>
                 </a:solidFill>
               </a14:hiddenFill>
             </a:ext>
             <a:ext uri="{91240B29-F687-4F45-9708-019B960494DF}">
-              <a14:hiddenLine xmlns:a14="http://schemas.microsoft.com/office/drawing/2010/main" w="9525">
+              <a14:hiddenLine xmlns:a14="http://schemas.microsoft.com/office/drawing/2010/main" xmlns="" w="9525">
                 <a:solidFill>
                   <a:schemeClr val="tx1"/>
                 </a:solidFill>
@@ -5808,7 +5614,7 @@
           <p:cNvPr id="8" name="Rectangle 5">
             <a:extLst>
               <a:ext uri="{FF2B5EF4-FFF2-40B4-BE49-F238E27FC236}">
-                <a16:creationId xmlns:a16="http://schemas.microsoft.com/office/drawing/2014/main" id="{4E4BF54C-ADD9-47C7-92CC-62D34BF668AF}"/>
+                <a16:creationId xmlns:a16="http://schemas.microsoft.com/office/drawing/2014/main" xmlns="" id="{4E4BF54C-ADD9-47C7-92CC-62D34BF668AF}"/>
               </a:ext>
             </a:extLst>
           </p:cNvPr>
@@ -5831,14 +5637,14 @@
           </a:ln>
           <a:extLst>
             <a:ext uri="{909E8E84-426E-40DD-AFC4-6F175D3DCCD1}">
-              <a14:hiddenFill xmlns:a14="http://schemas.microsoft.com/office/drawing/2010/main">
+              <a14:hiddenFill xmlns:a14="http://schemas.microsoft.com/office/drawing/2010/main" xmlns="">
                 <a:solidFill>
                   <a:schemeClr val="accent1"/>
                 </a:solidFill>
               </a14:hiddenFill>
             </a:ext>
             <a:ext uri="{91240B29-F687-4F45-9708-019B960494DF}">
-              <a14:hiddenLine xmlns:a14="http://schemas.microsoft.com/office/drawing/2010/main" w="9525">
+              <a14:hiddenLine xmlns:a14="http://schemas.microsoft.com/office/drawing/2010/main" xmlns="" w="9525">
                 <a:solidFill>
                   <a:schemeClr val="tx1"/>
                 </a:solidFill>
@@ -5884,7 +5690,7 @@
     </p:spTree>
     <p:extLst>
       <p:ext uri="{BB962C8B-B14F-4D97-AF65-F5344CB8AC3E}">
-        <p14:creationId xmlns:p14="http://schemas.microsoft.com/office/powerpoint/2010/main" val="3963229193"/>
+        <p14:creationId xmlns:p14="http://schemas.microsoft.com/office/powerpoint/2010/main" xmlns="" val="3963229193"/>
       </p:ext>
     </p:extLst>
   </p:cSld>
@@ -5995,28 +5801,6 @@
       </p:sp>
       <p:sp>
         <p:nvSpPr>
-          <p:cNvPr id="6" name="Date Placeholder 5"/>
-          <p:cNvSpPr>
-            <a:spLocks noGrp="1"/>
-          </p:cNvSpPr>
-          <p:nvPr>
-            <p:ph type="dt" sz="half" idx="2"/>
-          </p:nvPr>
-        </p:nvSpPr>
-        <p:spPr/>
-        <p:txBody>
-          <a:bodyPr/>
-          <a:lstStyle/>
-          <a:p>
-            <a:r>
-              <a:rPr lang="en-CA" dirty="0"/>
-              <a:t>Winter 2022</a:t>
-            </a:r>
-          </a:p>
-        </p:txBody>
-      </p:sp>
-      <p:sp>
-        <p:nvSpPr>
           <p:cNvPr id="10" name="Footer Placeholder 9"/>
           <p:cNvSpPr>
             <a:spLocks noGrp="1"/>
@@ -6067,7 +5851,7 @@
     </p:spTree>
     <p:extLst>
       <p:ext uri="{BB962C8B-B14F-4D97-AF65-F5344CB8AC3E}">
-        <p14:creationId xmlns:p14="http://schemas.microsoft.com/office/powerpoint/2010/main" val="51204498"/>
+        <p14:creationId xmlns:p14="http://schemas.microsoft.com/office/powerpoint/2010/main" xmlns="" val="51204498"/>
       </p:ext>
     </p:extLst>
   </p:cSld>
@@ -6160,28 +5944,6 @@
       </p:sp>
       <p:sp>
         <p:nvSpPr>
-          <p:cNvPr id="6" name="Date Placeholder 5"/>
-          <p:cNvSpPr>
-            <a:spLocks noGrp="1"/>
-          </p:cNvSpPr>
-          <p:nvPr>
-            <p:ph type="dt" sz="half" idx="2"/>
-          </p:nvPr>
-        </p:nvSpPr>
-        <p:spPr/>
-        <p:txBody>
-          <a:bodyPr/>
-          <a:lstStyle/>
-          <a:p>
-            <a:r>
-              <a:rPr lang="en-CA" dirty="0"/>
-              <a:t>Winter 2022</a:t>
-            </a:r>
-          </a:p>
-        </p:txBody>
-      </p:sp>
-      <p:sp>
-        <p:nvSpPr>
           <p:cNvPr id="10" name="Footer Placeholder 9"/>
           <p:cNvSpPr>
             <a:spLocks noGrp="1"/>
@@ -6232,7 +5994,7 @@
     </p:spTree>
     <p:extLst>
       <p:ext uri="{BB962C8B-B14F-4D97-AF65-F5344CB8AC3E}">
-        <p14:creationId xmlns:p14="http://schemas.microsoft.com/office/powerpoint/2010/main" val="127963713"/>
+        <p14:creationId xmlns:p14="http://schemas.microsoft.com/office/powerpoint/2010/main" xmlns="" val="127963713"/>
       </p:ext>
     </p:extLst>
   </p:cSld>
@@ -6335,28 +6097,6 @@
       </p:sp>
       <p:sp>
         <p:nvSpPr>
-          <p:cNvPr id="6" name="Date Placeholder 5"/>
-          <p:cNvSpPr>
-            <a:spLocks noGrp="1"/>
-          </p:cNvSpPr>
-          <p:nvPr>
-            <p:ph type="dt" sz="half" idx="2"/>
-          </p:nvPr>
-        </p:nvSpPr>
-        <p:spPr/>
-        <p:txBody>
-          <a:bodyPr/>
-          <a:lstStyle/>
-          <a:p>
-            <a:r>
-              <a:rPr lang="en-CA" dirty="0"/>
-              <a:t>Winter 2022</a:t>
-            </a:r>
-          </a:p>
-        </p:txBody>
-      </p:sp>
-      <p:sp>
-        <p:nvSpPr>
           <p:cNvPr id="10" name="Footer Placeholder 9"/>
           <p:cNvSpPr>
             <a:spLocks noGrp="1"/>
@@ -6407,7 +6147,7 @@
     </p:spTree>
     <p:extLst>
       <p:ext uri="{BB962C8B-B14F-4D97-AF65-F5344CB8AC3E}">
-        <p14:creationId xmlns:p14="http://schemas.microsoft.com/office/powerpoint/2010/main" val="2986053279"/>
+        <p14:creationId xmlns:p14="http://schemas.microsoft.com/office/powerpoint/2010/main" xmlns="" val="2986053279"/>
       </p:ext>
     </p:extLst>
   </p:cSld>
@@ -6488,28 +6228,6 @@
       </p:sp>
       <p:sp>
         <p:nvSpPr>
-          <p:cNvPr id="6" name="Date Placeholder 5"/>
-          <p:cNvSpPr>
-            <a:spLocks noGrp="1"/>
-          </p:cNvSpPr>
-          <p:nvPr>
-            <p:ph type="dt" sz="half" idx="2"/>
-          </p:nvPr>
-        </p:nvSpPr>
-        <p:spPr/>
-        <p:txBody>
-          <a:bodyPr/>
-          <a:lstStyle/>
-          <a:p>
-            <a:r>
-              <a:rPr lang="en-CA" dirty="0"/>
-              <a:t>Winter 2022</a:t>
-            </a:r>
-          </a:p>
-        </p:txBody>
-      </p:sp>
-      <p:sp>
-        <p:nvSpPr>
           <p:cNvPr id="10" name="Footer Placeholder 9"/>
           <p:cNvSpPr>
             <a:spLocks noGrp="1"/>
@@ -6562,7 +6280,7 @@
           <p:cNvPr id="7" name="Rectangle 4">
             <a:extLst>
               <a:ext uri="{FF2B5EF4-FFF2-40B4-BE49-F238E27FC236}">
-                <a16:creationId xmlns:a16="http://schemas.microsoft.com/office/drawing/2014/main" id="{E41346CA-88A9-4D75-9C07-2E4496131BA5}"/>
+                <a16:creationId xmlns:a16="http://schemas.microsoft.com/office/drawing/2014/main" xmlns="" id="{E41346CA-88A9-4D75-9C07-2E4496131BA5}"/>
               </a:ext>
             </a:extLst>
           </p:cNvPr>
@@ -6585,14 +6303,14 @@
           </a:ln>
           <a:extLst>
             <a:ext uri="{909E8E84-426E-40DD-AFC4-6F175D3DCCD1}">
-              <a14:hiddenFill xmlns:a14="http://schemas.microsoft.com/office/drawing/2010/main">
+              <a14:hiddenFill xmlns:a14="http://schemas.microsoft.com/office/drawing/2010/main" xmlns="">
                 <a:solidFill>
                   <a:schemeClr val="accent1"/>
                 </a:solidFill>
               </a14:hiddenFill>
             </a:ext>
             <a:ext uri="{91240B29-F687-4F45-9708-019B960494DF}">
-              <a14:hiddenLine xmlns:a14="http://schemas.microsoft.com/office/drawing/2010/main" w="9525">
+              <a14:hiddenLine xmlns:a14="http://schemas.microsoft.com/office/drawing/2010/main" xmlns="" w="9525">
                 <a:solidFill>
                   <a:schemeClr val="tx1"/>
                 </a:solidFill>
@@ -6658,7 +6376,7 @@
           <p:cNvPr id="8" name="Rectangle 5">
             <a:extLst>
               <a:ext uri="{FF2B5EF4-FFF2-40B4-BE49-F238E27FC236}">
-                <a16:creationId xmlns:a16="http://schemas.microsoft.com/office/drawing/2014/main" id="{40EBF1BF-F7FE-4DC4-B9DE-FAC9EF69D804}"/>
+                <a16:creationId xmlns:a16="http://schemas.microsoft.com/office/drawing/2014/main" xmlns="" id="{40EBF1BF-F7FE-4DC4-B9DE-FAC9EF69D804}"/>
               </a:ext>
             </a:extLst>
           </p:cNvPr>
@@ -6681,14 +6399,14 @@
           </a:ln>
           <a:extLst>
             <a:ext uri="{909E8E84-426E-40DD-AFC4-6F175D3DCCD1}">
-              <a14:hiddenFill xmlns:a14="http://schemas.microsoft.com/office/drawing/2010/main">
+              <a14:hiddenFill xmlns:a14="http://schemas.microsoft.com/office/drawing/2010/main" xmlns="">
                 <a:solidFill>
                   <a:schemeClr val="accent1"/>
                 </a:solidFill>
               </a14:hiddenFill>
             </a:ext>
             <a:ext uri="{91240B29-F687-4F45-9708-019B960494DF}">
-              <a14:hiddenLine xmlns:a14="http://schemas.microsoft.com/office/drawing/2010/main" w="9525">
+              <a14:hiddenLine xmlns:a14="http://schemas.microsoft.com/office/drawing/2010/main" xmlns="" w="9525">
                 <a:solidFill>
                   <a:schemeClr val="tx1"/>
                 </a:solidFill>
@@ -6743,7 +6461,7 @@
     </p:spTree>
     <p:extLst>
       <p:ext uri="{BB962C8B-B14F-4D97-AF65-F5344CB8AC3E}">
-        <p14:creationId xmlns:p14="http://schemas.microsoft.com/office/powerpoint/2010/main" val="16019776"/>
+        <p14:creationId xmlns:p14="http://schemas.microsoft.com/office/powerpoint/2010/main" xmlns="" val="16019776"/>
       </p:ext>
     </p:extLst>
   </p:cSld>
@@ -6855,28 +6573,6 @@
       </p:sp>
       <p:sp>
         <p:nvSpPr>
-          <p:cNvPr id="6" name="Date Placeholder 5"/>
-          <p:cNvSpPr>
-            <a:spLocks noGrp="1"/>
-          </p:cNvSpPr>
-          <p:nvPr>
-            <p:ph type="dt" sz="half" idx="2"/>
-          </p:nvPr>
-        </p:nvSpPr>
-        <p:spPr/>
-        <p:txBody>
-          <a:bodyPr/>
-          <a:lstStyle/>
-          <a:p>
-            <a:r>
-              <a:rPr lang="en-CA" dirty="0"/>
-              <a:t>Winter 2022</a:t>
-            </a:r>
-          </a:p>
-        </p:txBody>
-      </p:sp>
-      <p:sp>
-        <p:nvSpPr>
           <p:cNvPr id="10" name="Footer Placeholder 9"/>
           <p:cNvSpPr>
             <a:spLocks noGrp="1"/>
@@ -6927,7 +6623,7 @@
     </p:spTree>
     <p:extLst>
       <p:ext uri="{BB962C8B-B14F-4D97-AF65-F5344CB8AC3E}">
-        <p14:creationId xmlns:p14="http://schemas.microsoft.com/office/powerpoint/2010/main" val="4281930268"/>
+        <p14:creationId xmlns:p14="http://schemas.microsoft.com/office/powerpoint/2010/main" xmlns="" val="4281930268"/>
       </p:ext>
     </p:extLst>
   </p:cSld>
@@ -7043,28 +6739,6 @@
       </p:sp>
       <p:sp>
         <p:nvSpPr>
-          <p:cNvPr id="6" name="Date Placeholder 5"/>
-          <p:cNvSpPr>
-            <a:spLocks noGrp="1"/>
-          </p:cNvSpPr>
-          <p:nvPr>
-            <p:ph type="dt" sz="half" idx="2"/>
-          </p:nvPr>
-        </p:nvSpPr>
-        <p:spPr/>
-        <p:txBody>
-          <a:bodyPr/>
-          <a:lstStyle/>
-          <a:p>
-            <a:r>
-              <a:rPr lang="en-CA" dirty="0"/>
-              <a:t>Winter 2022</a:t>
-            </a:r>
-          </a:p>
-        </p:txBody>
-      </p:sp>
-      <p:sp>
-        <p:nvSpPr>
           <p:cNvPr id="10" name="Footer Placeholder 9"/>
           <p:cNvSpPr>
             <a:spLocks noGrp="1"/>
@@ -7115,7 +6789,7 @@
     </p:spTree>
     <p:extLst>
       <p:ext uri="{BB962C8B-B14F-4D97-AF65-F5344CB8AC3E}">
-        <p14:creationId xmlns:p14="http://schemas.microsoft.com/office/powerpoint/2010/main" val="3380951599"/>
+        <p14:creationId xmlns:p14="http://schemas.microsoft.com/office/powerpoint/2010/main" xmlns="" val="3380951599"/>
       </p:ext>
     </p:extLst>
   </p:cSld>
@@ -7227,28 +6901,6 @@
       </p:sp>
       <p:sp>
         <p:nvSpPr>
-          <p:cNvPr id="6" name="Date Placeholder 5"/>
-          <p:cNvSpPr>
-            <a:spLocks noGrp="1"/>
-          </p:cNvSpPr>
-          <p:nvPr>
-            <p:ph type="dt" sz="half" idx="2"/>
-          </p:nvPr>
-        </p:nvSpPr>
-        <p:spPr/>
-        <p:txBody>
-          <a:bodyPr/>
-          <a:lstStyle/>
-          <a:p>
-            <a:r>
-              <a:rPr lang="en-CA" dirty="0"/>
-              <a:t>Winter 2022</a:t>
-            </a:r>
-          </a:p>
-        </p:txBody>
-      </p:sp>
-      <p:sp>
-        <p:nvSpPr>
           <p:cNvPr id="10" name="Footer Placeholder 9"/>
           <p:cNvSpPr>
             <a:spLocks noGrp="1"/>
@@ -7299,7 +6951,7 @@
     </p:spTree>
     <p:extLst>
       <p:ext uri="{BB962C8B-B14F-4D97-AF65-F5344CB8AC3E}">
-        <p14:creationId xmlns:p14="http://schemas.microsoft.com/office/powerpoint/2010/main" val="296679934"/>
+        <p14:creationId xmlns:p14="http://schemas.microsoft.com/office/powerpoint/2010/main" xmlns="" val="296679934"/>
       </p:ext>
     </p:extLst>
   </p:cSld>
@@ -7407,28 +7059,6 @@
       </p:sp>
       <p:sp>
         <p:nvSpPr>
-          <p:cNvPr id="6" name="Date Placeholder 5"/>
-          <p:cNvSpPr>
-            <a:spLocks noGrp="1"/>
-          </p:cNvSpPr>
-          <p:nvPr>
-            <p:ph type="dt" sz="half" idx="2"/>
-          </p:nvPr>
-        </p:nvSpPr>
-        <p:spPr/>
-        <p:txBody>
-          <a:bodyPr/>
-          <a:lstStyle/>
-          <a:p>
-            <a:r>
-              <a:rPr lang="en-CA" dirty="0"/>
-              <a:t>Winter 2022</a:t>
-            </a:r>
-          </a:p>
-        </p:txBody>
-      </p:sp>
-      <p:sp>
-        <p:nvSpPr>
           <p:cNvPr id="10" name="Footer Placeholder 9"/>
           <p:cNvSpPr>
             <a:spLocks noGrp="1"/>
@@ -7479,7 +7109,7 @@
     </p:spTree>
     <p:extLst>
       <p:ext uri="{BB962C8B-B14F-4D97-AF65-F5344CB8AC3E}">
-        <p14:creationId xmlns:p14="http://schemas.microsoft.com/office/powerpoint/2010/main" val="1688656353"/>
+        <p14:creationId xmlns:p14="http://schemas.microsoft.com/office/powerpoint/2010/main" xmlns="" val="1688656353"/>
       </p:ext>
     </p:extLst>
   </p:cSld>
@@ -7595,28 +7225,6 @@
       </p:sp>
       <p:sp>
         <p:nvSpPr>
-          <p:cNvPr id="6" name="Date Placeholder 5"/>
-          <p:cNvSpPr>
-            <a:spLocks noGrp="1"/>
-          </p:cNvSpPr>
-          <p:nvPr>
-            <p:ph type="dt" sz="half" idx="2"/>
-          </p:nvPr>
-        </p:nvSpPr>
-        <p:spPr/>
-        <p:txBody>
-          <a:bodyPr/>
-          <a:lstStyle/>
-          <a:p>
-            <a:r>
-              <a:rPr lang="en-CA" dirty="0"/>
-              <a:t>Winter 2022</a:t>
-            </a:r>
-          </a:p>
-        </p:txBody>
-      </p:sp>
-      <p:sp>
-        <p:nvSpPr>
           <p:cNvPr id="10" name="Footer Placeholder 9"/>
           <p:cNvSpPr>
             <a:spLocks noGrp="1"/>
@@ -7667,7 +7275,7 @@
     </p:spTree>
     <p:extLst>
       <p:ext uri="{BB962C8B-B14F-4D97-AF65-F5344CB8AC3E}">
-        <p14:creationId xmlns:p14="http://schemas.microsoft.com/office/powerpoint/2010/main" val="1284836382"/>
+        <p14:creationId xmlns:p14="http://schemas.microsoft.com/office/powerpoint/2010/main" xmlns="" val="1284836382"/>
       </p:ext>
     </p:extLst>
   </p:cSld>
@@ -7799,28 +7407,6 @@
       </p:sp>
       <p:sp>
         <p:nvSpPr>
-          <p:cNvPr id="6" name="Date Placeholder 5"/>
-          <p:cNvSpPr>
-            <a:spLocks noGrp="1"/>
-          </p:cNvSpPr>
-          <p:nvPr>
-            <p:ph type="dt" sz="half" idx="2"/>
-          </p:nvPr>
-        </p:nvSpPr>
-        <p:spPr/>
-        <p:txBody>
-          <a:bodyPr/>
-          <a:lstStyle/>
-          <a:p>
-            <a:r>
-              <a:rPr lang="en-CA" dirty="0"/>
-              <a:t>Winter 2022</a:t>
-            </a:r>
-          </a:p>
-        </p:txBody>
-      </p:sp>
-      <p:sp>
-        <p:nvSpPr>
           <p:cNvPr id="10" name="Footer Placeholder 9"/>
           <p:cNvSpPr>
             <a:spLocks noGrp="1"/>
@@ -7871,7 +7457,7 @@
     </p:spTree>
     <p:extLst>
       <p:ext uri="{BB962C8B-B14F-4D97-AF65-F5344CB8AC3E}">
-        <p14:creationId xmlns:p14="http://schemas.microsoft.com/office/powerpoint/2010/main" val="631014814"/>
+        <p14:creationId xmlns:p14="http://schemas.microsoft.com/office/powerpoint/2010/main" xmlns="" val="631014814"/>
       </p:ext>
     </p:extLst>
   </p:cSld>
@@ -8039,28 +7625,6 @@
       </p:sp>
       <p:sp>
         <p:nvSpPr>
-          <p:cNvPr id="6" name="Date Placeholder 5"/>
-          <p:cNvSpPr>
-            <a:spLocks noGrp="1"/>
-          </p:cNvSpPr>
-          <p:nvPr>
-            <p:ph type="dt" sz="half" idx="2"/>
-          </p:nvPr>
-        </p:nvSpPr>
-        <p:spPr/>
-        <p:txBody>
-          <a:bodyPr/>
-          <a:lstStyle/>
-          <a:p>
-            <a:r>
-              <a:rPr lang="en-CA" dirty="0"/>
-              <a:t>Winter 2022</a:t>
-            </a:r>
-          </a:p>
-        </p:txBody>
-      </p:sp>
-      <p:sp>
-        <p:nvSpPr>
           <p:cNvPr id="10" name="Footer Placeholder 9"/>
           <p:cNvSpPr>
             <a:spLocks noGrp="1"/>
@@ -8111,7 +7675,7 @@
     </p:spTree>
     <p:extLst>
       <p:ext uri="{BB962C8B-B14F-4D97-AF65-F5344CB8AC3E}">
-        <p14:creationId xmlns:p14="http://schemas.microsoft.com/office/powerpoint/2010/main" val="189831256"/>
+        <p14:creationId xmlns:p14="http://schemas.microsoft.com/office/powerpoint/2010/main" xmlns="" val="189831256"/>
       </p:ext>
     </p:extLst>
   </p:cSld>
@@ -8206,28 +7770,6 @@
       </p:sp>
       <p:sp>
         <p:nvSpPr>
-          <p:cNvPr id="6" name="Date Placeholder 5"/>
-          <p:cNvSpPr>
-            <a:spLocks noGrp="1"/>
-          </p:cNvSpPr>
-          <p:nvPr>
-            <p:ph type="dt" sz="half" idx="2"/>
-          </p:nvPr>
-        </p:nvSpPr>
-        <p:spPr/>
-        <p:txBody>
-          <a:bodyPr/>
-          <a:lstStyle/>
-          <a:p>
-            <a:r>
-              <a:rPr lang="en-CA" dirty="0"/>
-              <a:t>Winter 2022</a:t>
-            </a:r>
-          </a:p>
-        </p:txBody>
-      </p:sp>
-      <p:sp>
-        <p:nvSpPr>
           <p:cNvPr id="10" name="Footer Placeholder 9"/>
           <p:cNvSpPr>
             <a:spLocks noGrp="1"/>
@@ -8278,7 +7820,7 @@
     </p:spTree>
     <p:extLst>
       <p:ext uri="{BB962C8B-B14F-4D97-AF65-F5344CB8AC3E}">
-        <p14:creationId xmlns:p14="http://schemas.microsoft.com/office/powerpoint/2010/main" val="951659939"/>
+        <p14:creationId xmlns:p14="http://schemas.microsoft.com/office/powerpoint/2010/main" xmlns="" val="951659939"/>
       </p:ext>
     </p:extLst>
   </p:cSld>
@@ -8379,28 +7921,6 @@
       </p:sp>
       <p:sp>
         <p:nvSpPr>
-          <p:cNvPr id="6" name="Date Placeholder 5"/>
-          <p:cNvSpPr>
-            <a:spLocks noGrp="1"/>
-          </p:cNvSpPr>
-          <p:nvPr>
-            <p:ph type="dt" sz="half" idx="2"/>
-          </p:nvPr>
-        </p:nvSpPr>
-        <p:spPr/>
-        <p:txBody>
-          <a:bodyPr/>
-          <a:lstStyle/>
-          <a:p>
-            <a:r>
-              <a:rPr lang="en-CA" dirty="0"/>
-              <a:t>Winter 2022</a:t>
-            </a:r>
-          </a:p>
-        </p:txBody>
-      </p:sp>
-      <p:sp>
-        <p:nvSpPr>
           <p:cNvPr id="10" name="Footer Placeholder 9"/>
           <p:cNvSpPr>
             <a:spLocks noGrp="1"/>
@@ -8451,7 +7971,7 @@
     </p:spTree>
     <p:extLst>
       <p:ext uri="{BB962C8B-B14F-4D97-AF65-F5344CB8AC3E}">
-        <p14:creationId xmlns:p14="http://schemas.microsoft.com/office/powerpoint/2010/main" val="1021335012"/>
+        <p14:creationId xmlns:p14="http://schemas.microsoft.com/office/powerpoint/2010/main" xmlns="" val="1021335012"/>
       </p:ext>
     </p:extLst>
   </p:cSld>
@@ -8594,28 +8114,6 @@
       </p:sp>
       <p:sp>
         <p:nvSpPr>
-          <p:cNvPr id="6" name="Date Placeholder 5"/>
-          <p:cNvSpPr>
-            <a:spLocks noGrp="1"/>
-          </p:cNvSpPr>
-          <p:nvPr>
-            <p:ph type="dt" sz="half" idx="2"/>
-          </p:nvPr>
-        </p:nvSpPr>
-        <p:spPr/>
-        <p:txBody>
-          <a:bodyPr/>
-          <a:lstStyle/>
-          <a:p>
-            <a:r>
-              <a:rPr lang="en-CA" dirty="0"/>
-              <a:t>Winter 2022</a:t>
-            </a:r>
-          </a:p>
-        </p:txBody>
-      </p:sp>
-      <p:sp>
-        <p:nvSpPr>
           <p:cNvPr id="10" name="Footer Placeholder 9"/>
           <p:cNvSpPr>
             <a:spLocks noGrp="1"/>
@@ -8666,7 +8164,7 @@
     </p:spTree>
     <p:extLst>
       <p:ext uri="{BB962C8B-B14F-4D97-AF65-F5344CB8AC3E}">
-        <p14:creationId xmlns:p14="http://schemas.microsoft.com/office/powerpoint/2010/main" val="3814547893"/>
+        <p14:creationId xmlns:p14="http://schemas.microsoft.com/office/powerpoint/2010/main" xmlns="" val="3814547893"/>
       </p:ext>
     </p:extLst>
   </p:cSld>
@@ -8767,28 +8265,6 @@
       </p:sp>
       <p:sp>
         <p:nvSpPr>
-          <p:cNvPr id="6" name="Date Placeholder 5"/>
-          <p:cNvSpPr>
-            <a:spLocks noGrp="1"/>
-          </p:cNvSpPr>
-          <p:nvPr>
-            <p:ph type="dt" sz="half" idx="2"/>
-          </p:nvPr>
-        </p:nvSpPr>
-        <p:spPr/>
-        <p:txBody>
-          <a:bodyPr/>
-          <a:lstStyle/>
-          <a:p>
-            <a:r>
-              <a:rPr lang="en-CA" dirty="0"/>
-              <a:t>Winter 2022</a:t>
-            </a:r>
-          </a:p>
-        </p:txBody>
-      </p:sp>
-      <p:sp>
-        <p:nvSpPr>
           <p:cNvPr id="10" name="Footer Placeholder 9"/>
           <p:cNvSpPr>
             <a:spLocks noGrp="1"/>
@@ -8839,7 +8315,7 @@
     </p:spTree>
     <p:extLst>
       <p:ext uri="{BB962C8B-B14F-4D97-AF65-F5344CB8AC3E}">
-        <p14:creationId xmlns:p14="http://schemas.microsoft.com/office/powerpoint/2010/main" val="720754282"/>
+        <p14:creationId xmlns:p14="http://schemas.microsoft.com/office/powerpoint/2010/main" xmlns="" val="720754282"/>
       </p:ext>
     </p:extLst>
   </p:cSld>
@@ -9018,28 +8494,6 @@
       </p:sp>
       <p:sp>
         <p:nvSpPr>
-          <p:cNvPr id="6" name="Date Placeholder 5"/>
-          <p:cNvSpPr>
-            <a:spLocks noGrp="1"/>
-          </p:cNvSpPr>
-          <p:nvPr>
-            <p:ph type="dt" sz="half" idx="2"/>
-          </p:nvPr>
-        </p:nvSpPr>
-        <p:spPr/>
-        <p:txBody>
-          <a:bodyPr/>
-          <a:lstStyle/>
-          <a:p>
-            <a:r>
-              <a:rPr lang="en-CA" dirty="0"/>
-              <a:t>Winter 2022</a:t>
-            </a:r>
-          </a:p>
-        </p:txBody>
-      </p:sp>
-      <p:sp>
-        <p:nvSpPr>
           <p:cNvPr id="10" name="Footer Placeholder 9"/>
           <p:cNvSpPr>
             <a:spLocks noGrp="1"/>
@@ -9090,7 +8544,7 @@
     </p:spTree>
     <p:extLst>
       <p:ext uri="{BB962C8B-B14F-4D97-AF65-F5344CB8AC3E}">
-        <p14:creationId xmlns:p14="http://schemas.microsoft.com/office/powerpoint/2010/main" val="351910534"/>
+        <p14:creationId xmlns:p14="http://schemas.microsoft.com/office/powerpoint/2010/main" xmlns="" val="351910534"/>
       </p:ext>
     </p:extLst>
   </p:cSld>
@@ -9249,28 +8703,6 @@
       </p:sp>
       <p:sp>
         <p:nvSpPr>
-          <p:cNvPr id="6" name="Date Placeholder 5"/>
-          <p:cNvSpPr>
-            <a:spLocks noGrp="1"/>
-          </p:cNvSpPr>
-          <p:nvPr>
-            <p:ph type="dt" sz="half" idx="2"/>
-          </p:nvPr>
-        </p:nvSpPr>
-        <p:spPr/>
-        <p:txBody>
-          <a:bodyPr/>
-          <a:lstStyle/>
-          <a:p>
-            <a:r>
-              <a:rPr lang="en-CA" dirty="0"/>
-              <a:t>Winter 2022</a:t>
-            </a:r>
-          </a:p>
-        </p:txBody>
-      </p:sp>
-      <p:sp>
-        <p:nvSpPr>
           <p:cNvPr id="10" name="Footer Placeholder 9"/>
           <p:cNvSpPr>
             <a:spLocks noGrp="1"/>
@@ -9321,7 +8753,7 @@
     </p:spTree>
     <p:extLst>
       <p:ext uri="{BB962C8B-B14F-4D97-AF65-F5344CB8AC3E}">
-        <p14:creationId xmlns:p14="http://schemas.microsoft.com/office/powerpoint/2010/main" val="149226633"/>
+        <p14:creationId xmlns:p14="http://schemas.microsoft.com/office/powerpoint/2010/main" xmlns="" val="149226633"/>
       </p:ext>
     </p:extLst>
   </p:cSld>
@@ -9538,28 +8970,6 @@
       </p:sp>
       <p:sp>
         <p:nvSpPr>
-          <p:cNvPr id="6" name="Date Placeholder 5"/>
-          <p:cNvSpPr>
-            <a:spLocks noGrp="1"/>
-          </p:cNvSpPr>
-          <p:nvPr>
-            <p:ph type="dt" sz="half" idx="2"/>
-          </p:nvPr>
-        </p:nvSpPr>
-        <p:spPr/>
-        <p:txBody>
-          <a:bodyPr/>
-          <a:lstStyle/>
-          <a:p>
-            <a:r>
-              <a:rPr lang="en-CA" dirty="0"/>
-              <a:t>Winter 2022</a:t>
-            </a:r>
-          </a:p>
-        </p:txBody>
-      </p:sp>
-      <p:sp>
-        <p:nvSpPr>
           <p:cNvPr id="10" name="Footer Placeholder 9"/>
           <p:cNvSpPr>
             <a:spLocks noGrp="1"/>
@@ -9610,7 +9020,7 @@
     </p:spTree>
     <p:extLst>
       <p:ext uri="{BB962C8B-B14F-4D97-AF65-F5344CB8AC3E}">
-        <p14:creationId xmlns:p14="http://schemas.microsoft.com/office/powerpoint/2010/main" val="592769764"/>
+        <p14:creationId xmlns:p14="http://schemas.microsoft.com/office/powerpoint/2010/main" xmlns="" val="592769764"/>
       </p:ext>
     </p:extLst>
   </p:cSld>
@@ -9769,28 +9179,6 @@
       </p:sp>
       <p:sp>
         <p:nvSpPr>
-          <p:cNvPr id="6" name="Date Placeholder 5"/>
-          <p:cNvSpPr>
-            <a:spLocks noGrp="1"/>
-          </p:cNvSpPr>
-          <p:nvPr>
-            <p:ph type="dt" sz="half" idx="2"/>
-          </p:nvPr>
-        </p:nvSpPr>
-        <p:spPr/>
-        <p:txBody>
-          <a:bodyPr/>
-          <a:lstStyle/>
-          <a:p>
-            <a:r>
-              <a:rPr lang="en-CA" dirty="0"/>
-              <a:t>Winter 2022</a:t>
-            </a:r>
-          </a:p>
-        </p:txBody>
-      </p:sp>
-      <p:sp>
-        <p:nvSpPr>
           <p:cNvPr id="10" name="Footer Placeholder 9"/>
           <p:cNvSpPr>
             <a:spLocks noGrp="1"/>
@@ -9841,7 +9229,7 @@
     </p:spTree>
     <p:extLst>
       <p:ext uri="{BB962C8B-B14F-4D97-AF65-F5344CB8AC3E}">
-        <p14:creationId xmlns:p14="http://schemas.microsoft.com/office/powerpoint/2010/main" val="1789349769"/>
+        <p14:creationId xmlns:p14="http://schemas.microsoft.com/office/powerpoint/2010/main" xmlns="" val="1789349769"/>
       </p:ext>
     </p:extLst>
   </p:cSld>
@@ -9930,28 +9318,6 @@
       </p:sp>
       <p:sp>
         <p:nvSpPr>
-          <p:cNvPr id="6" name="Date Placeholder 5"/>
-          <p:cNvSpPr>
-            <a:spLocks noGrp="1"/>
-          </p:cNvSpPr>
-          <p:nvPr>
-            <p:ph type="dt" sz="half" idx="2"/>
-          </p:nvPr>
-        </p:nvSpPr>
-        <p:spPr/>
-        <p:txBody>
-          <a:bodyPr/>
-          <a:lstStyle/>
-          <a:p>
-            <a:r>
-              <a:rPr lang="en-CA" dirty="0"/>
-              <a:t>Winter 2022</a:t>
-            </a:r>
-          </a:p>
-        </p:txBody>
-      </p:sp>
-      <p:sp>
-        <p:nvSpPr>
           <p:cNvPr id="10" name="Footer Placeholder 9"/>
           <p:cNvSpPr>
             <a:spLocks noGrp="1"/>
@@ -10004,7 +9370,7 @@
           <p:cNvPr id="7" name="Rectangle 3">
             <a:extLst>
               <a:ext uri="{FF2B5EF4-FFF2-40B4-BE49-F238E27FC236}">
-                <a16:creationId xmlns:a16="http://schemas.microsoft.com/office/drawing/2014/main" id="{3CDF6EA7-9059-47C2-A15F-9CABE3E9F599}"/>
+                <a16:creationId xmlns:a16="http://schemas.microsoft.com/office/drawing/2014/main" xmlns="" id="{3CDF6EA7-9059-47C2-A15F-9CABE3E9F599}"/>
               </a:ext>
             </a:extLst>
           </p:cNvPr>
@@ -10257,7 +9623,7 @@
           <p:cNvPr id="8" name="Picture 4">
             <a:extLst>
               <a:ext uri="{FF2B5EF4-FFF2-40B4-BE49-F238E27FC236}">
-                <a16:creationId xmlns:a16="http://schemas.microsoft.com/office/drawing/2014/main" id="{FB83EDAC-E094-4A3A-B4B2-BE6C5558482A}"/>
+                <a16:creationId xmlns:a16="http://schemas.microsoft.com/office/drawing/2014/main" xmlns="" id="{FB83EDAC-E094-4A3A-B4B2-BE6C5558482A}"/>
               </a:ext>
             </a:extLst>
           </p:cNvPr>
@@ -10270,7 +9636,7 @@
           <a:blip r:embed="rId2">
             <a:extLst>
               <a:ext uri="{28A0092B-C50C-407E-A947-70E740481C1C}">
-                <a14:useLocalDpi xmlns:a14="http://schemas.microsoft.com/office/drawing/2010/main" val="0"/>
+                <a14:useLocalDpi xmlns:a14="http://schemas.microsoft.com/office/drawing/2010/main" xmlns="" val="0"/>
               </a:ext>
             </a:extLst>
           </a:blip>
@@ -10290,7 +9656,7 @@
           <a:noFill/>
           <a:extLst>
             <a:ext uri="{909E8E84-426E-40DD-AFC4-6F175D3DCCD1}">
-              <a14:hiddenFill xmlns:a14="http://schemas.microsoft.com/office/drawing/2010/main">
+              <a14:hiddenFill xmlns:a14="http://schemas.microsoft.com/office/drawing/2010/main" xmlns="">
                 <a:solidFill>
                   <a:srgbClr val="FFFFFF"/>
                 </a:solidFill>
@@ -10304,7 +9670,7 @@
           <p:cNvPr id="9" name="Picture 5">
             <a:extLst>
               <a:ext uri="{FF2B5EF4-FFF2-40B4-BE49-F238E27FC236}">
-                <a16:creationId xmlns:a16="http://schemas.microsoft.com/office/drawing/2014/main" id="{A6E8EB61-F050-4C8F-8828-486593A211FB}"/>
+                <a16:creationId xmlns:a16="http://schemas.microsoft.com/office/drawing/2014/main" xmlns="" id="{A6E8EB61-F050-4C8F-8828-486593A211FB}"/>
               </a:ext>
             </a:extLst>
           </p:cNvPr>
@@ -10317,7 +9683,7 @@
           <a:blip r:embed="rId3">
             <a:extLst>
               <a:ext uri="{28A0092B-C50C-407E-A947-70E740481C1C}">
-                <a14:useLocalDpi xmlns:a14="http://schemas.microsoft.com/office/drawing/2010/main" val="0"/>
+                <a14:useLocalDpi xmlns:a14="http://schemas.microsoft.com/office/drawing/2010/main" xmlns="" val="0"/>
               </a:ext>
             </a:extLst>
           </a:blip>
@@ -10337,7 +9703,7 @@
           <a:noFill/>
           <a:extLst>
             <a:ext uri="{909E8E84-426E-40DD-AFC4-6F175D3DCCD1}">
-              <a14:hiddenFill xmlns:a14="http://schemas.microsoft.com/office/drawing/2010/main">
+              <a14:hiddenFill xmlns:a14="http://schemas.microsoft.com/office/drawing/2010/main" xmlns="">
                 <a:solidFill>
                   <a:srgbClr val="FFFFFF"/>
                 </a:solidFill>
@@ -10351,7 +9717,7 @@
           <p:cNvPr id="11" name="Picture 6">
             <a:extLst>
               <a:ext uri="{FF2B5EF4-FFF2-40B4-BE49-F238E27FC236}">
-                <a16:creationId xmlns:a16="http://schemas.microsoft.com/office/drawing/2014/main" id="{B7FF1AB9-11B9-4A64-9529-344EBCEF4DAE}"/>
+                <a16:creationId xmlns:a16="http://schemas.microsoft.com/office/drawing/2014/main" xmlns="" id="{B7FF1AB9-11B9-4A64-9529-344EBCEF4DAE}"/>
               </a:ext>
             </a:extLst>
           </p:cNvPr>
@@ -10364,7 +9730,7 @@
           <a:blip r:embed="rId4">
             <a:extLst>
               <a:ext uri="{28A0092B-C50C-407E-A947-70E740481C1C}">
-                <a14:useLocalDpi xmlns:a14="http://schemas.microsoft.com/office/drawing/2010/main" val="0"/>
+                <a14:useLocalDpi xmlns:a14="http://schemas.microsoft.com/office/drawing/2010/main" xmlns="" val="0"/>
               </a:ext>
             </a:extLst>
           </a:blip>
@@ -10384,7 +9750,7 @@
           <a:noFill/>
           <a:extLst>
             <a:ext uri="{909E8E84-426E-40DD-AFC4-6F175D3DCCD1}">
-              <a14:hiddenFill xmlns:a14="http://schemas.microsoft.com/office/drawing/2010/main">
+              <a14:hiddenFill xmlns:a14="http://schemas.microsoft.com/office/drawing/2010/main" xmlns="">
                 <a:solidFill>
                   <a:srgbClr val="FFFFFF"/>
                 </a:solidFill>
@@ -10398,7 +9764,7 @@
           <p:cNvPr id="13" name="Picture 7">
             <a:extLst>
               <a:ext uri="{FF2B5EF4-FFF2-40B4-BE49-F238E27FC236}">
-                <a16:creationId xmlns:a16="http://schemas.microsoft.com/office/drawing/2014/main" id="{A677F0EB-D9F8-47C7-9A92-3F1803B478D5}"/>
+                <a16:creationId xmlns:a16="http://schemas.microsoft.com/office/drawing/2014/main" xmlns="" id="{A677F0EB-D9F8-47C7-9A92-3F1803B478D5}"/>
               </a:ext>
             </a:extLst>
           </p:cNvPr>
@@ -10411,7 +9777,7 @@
           <a:blip r:embed="rId5">
             <a:extLst>
               <a:ext uri="{28A0092B-C50C-407E-A947-70E740481C1C}">
-                <a14:useLocalDpi xmlns:a14="http://schemas.microsoft.com/office/drawing/2010/main" val="0"/>
+                <a14:useLocalDpi xmlns:a14="http://schemas.microsoft.com/office/drawing/2010/main" xmlns="" val="0"/>
               </a:ext>
             </a:extLst>
           </a:blip>
@@ -10431,7 +9797,7 @@
           <a:noFill/>
           <a:extLst>
             <a:ext uri="{909E8E84-426E-40DD-AFC4-6F175D3DCCD1}">
-              <a14:hiddenFill xmlns:a14="http://schemas.microsoft.com/office/drawing/2010/main">
+              <a14:hiddenFill xmlns:a14="http://schemas.microsoft.com/office/drawing/2010/main" xmlns="">
                 <a:solidFill>
                   <a:srgbClr val="FFFFFF"/>
                 </a:solidFill>
@@ -10445,7 +9811,7 @@
           <p:cNvPr id="14" name="Picture 8">
             <a:extLst>
               <a:ext uri="{FF2B5EF4-FFF2-40B4-BE49-F238E27FC236}">
-                <a16:creationId xmlns:a16="http://schemas.microsoft.com/office/drawing/2014/main" id="{E0EBCD02-9171-4E00-B406-DFFC5515F70B}"/>
+                <a16:creationId xmlns:a16="http://schemas.microsoft.com/office/drawing/2014/main" xmlns="" id="{E0EBCD02-9171-4E00-B406-DFFC5515F70B}"/>
               </a:ext>
             </a:extLst>
           </p:cNvPr>
@@ -10458,7 +9824,7 @@
           <a:blip r:embed="rId6">
             <a:extLst>
               <a:ext uri="{28A0092B-C50C-407E-A947-70E740481C1C}">
-                <a14:useLocalDpi xmlns:a14="http://schemas.microsoft.com/office/drawing/2010/main" val="0"/>
+                <a14:useLocalDpi xmlns:a14="http://schemas.microsoft.com/office/drawing/2010/main" xmlns="" val="0"/>
               </a:ext>
             </a:extLst>
           </a:blip>
@@ -10478,7 +9844,7 @@
           <a:noFill/>
           <a:extLst>
             <a:ext uri="{909E8E84-426E-40DD-AFC4-6F175D3DCCD1}">
-              <a14:hiddenFill xmlns:a14="http://schemas.microsoft.com/office/drawing/2010/main">
+              <a14:hiddenFill xmlns:a14="http://schemas.microsoft.com/office/drawing/2010/main" xmlns="">
                 <a:solidFill>
                   <a:srgbClr val="FFFFFF"/>
                 </a:solidFill>
@@ -10492,7 +9858,7 @@
           <p:cNvPr id="15" name="Picture 9">
             <a:extLst>
               <a:ext uri="{FF2B5EF4-FFF2-40B4-BE49-F238E27FC236}">
-                <a16:creationId xmlns:a16="http://schemas.microsoft.com/office/drawing/2014/main" id="{3850039F-610A-43C0-85EE-AD1B6AEC7F02}"/>
+                <a16:creationId xmlns:a16="http://schemas.microsoft.com/office/drawing/2014/main" xmlns="" id="{3850039F-610A-43C0-85EE-AD1B6AEC7F02}"/>
               </a:ext>
             </a:extLst>
           </p:cNvPr>
@@ -10505,7 +9871,7 @@
           <a:blip r:embed="rId7">
             <a:extLst>
               <a:ext uri="{28A0092B-C50C-407E-A947-70E740481C1C}">
-                <a14:useLocalDpi xmlns:a14="http://schemas.microsoft.com/office/drawing/2010/main" val="0"/>
+                <a14:useLocalDpi xmlns:a14="http://schemas.microsoft.com/office/drawing/2010/main" xmlns="" val="0"/>
               </a:ext>
             </a:extLst>
           </a:blip>
@@ -10525,7 +9891,7 @@
           <a:noFill/>
           <a:extLst>
             <a:ext uri="{909E8E84-426E-40DD-AFC4-6F175D3DCCD1}">
-              <a14:hiddenFill xmlns:a14="http://schemas.microsoft.com/office/drawing/2010/main">
+              <a14:hiddenFill xmlns:a14="http://schemas.microsoft.com/office/drawing/2010/main" xmlns="">
                 <a:solidFill>
                   <a:srgbClr val="FFFFFF"/>
                 </a:solidFill>
@@ -10537,7 +9903,7 @@
     </p:spTree>
     <p:extLst>
       <p:ext uri="{BB962C8B-B14F-4D97-AF65-F5344CB8AC3E}">
-        <p14:creationId xmlns:p14="http://schemas.microsoft.com/office/powerpoint/2010/main" val="649184941"/>
+        <p14:creationId xmlns:p14="http://schemas.microsoft.com/office/powerpoint/2010/main" xmlns="" val="649184941"/>
       </p:ext>
     </p:extLst>
   </p:cSld>
@@ -11229,28 +10595,6 @@
       </p:sp>
       <p:sp>
         <p:nvSpPr>
-          <p:cNvPr id="6" name="Date Placeholder 5"/>
-          <p:cNvSpPr>
-            <a:spLocks noGrp="1"/>
-          </p:cNvSpPr>
-          <p:nvPr>
-            <p:ph type="dt" sz="half" idx="2"/>
-          </p:nvPr>
-        </p:nvSpPr>
-        <p:spPr/>
-        <p:txBody>
-          <a:bodyPr/>
-          <a:lstStyle/>
-          <a:p>
-            <a:r>
-              <a:rPr lang="en-CA" dirty="0"/>
-              <a:t>Winter 2022</a:t>
-            </a:r>
-          </a:p>
-        </p:txBody>
-      </p:sp>
-      <p:sp>
-        <p:nvSpPr>
           <p:cNvPr id="10" name="Footer Placeholder 9"/>
           <p:cNvSpPr>
             <a:spLocks noGrp="1"/>
@@ -11301,7 +10645,7 @@
     </p:spTree>
     <p:extLst>
       <p:ext uri="{BB962C8B-B14F-4D97-AF65-F5344CB8AC3E}">
-        <p14:creationId xmlns:p14="http://schemas.microsoft.com/office/powerpoint/2010/main" val="1435777542"/>
+        <p14:creationId xmlns:p14="http://schemas.microsoft.com/office/powerpoint/2010/main" xmlns="" val="1435777542"/>
       </p:ext>
     </p:extLst>
   </p:cSld>
@@ -11528,28 +10872,6 @@
       </p:sp>
       <p:sp>
         <p:nvSpPr>
-          <p:cNvPr id="6" name="Date Placeholder 5"/>
-          <p:cNvSpPr>
-            <a:spLocks noGrp="1"/>
-          </p:cNvSpPr>
-          <p:nvPr>
-            <p:ph type="dt" sz="half" idx="2"/>
-          </p:nvPr>
-        </p:nvSpPr>
-        <p:spPr/>
-        <p:txBody>
-          <a:bodyPr/>
-          <a:lstStyle/>
-          <a:p>
-            <a:r>
-              <a:rPr lang="en-CA" dirty="0"/>
-              <a:t>Winter 2022</a:t>
-            </a:r>
-          </a:p>
-        </p:txBody>
-      </p:sp>
-      <p:sp>
-        <p:nvSpPr>
           <p:cNvPr id="10" name="Footer Placeholder 9"/>
           <p:cNvSpPr>
             <a:spLocks noGrp="1"/>
@@ -11600,7 +10922,7 @@
     </p:spTree>
     <p:extLst>
       <p:ext uri="{BB962C8B-B14F-4D97-AF65-F5344CB8AC3E}">
-        <p14:creationId xmlns:p14="http://schemas.microsoft.com/office/powerpoint/2010/main" val="997206608"/>
+        <p14:creationId xmlns:p14="http://schemas.microsoft.com/office/powerpoint/2010/main" xmlns="" val="997206608"/>
       </p:ext>
     </p:extLst>
   </p:cSld>
@@ -11705,28 +11027,6 @@
       </p:sp>
       <p:sp>
         <p:nvSpPr>
-          <p:cNvPr id="6" name="Date Placeholder 5"/>
-          <p:cNvSpPr>
-            <a:spLocks noGrp="1"/>
-          </p:cNvSpPr>
-          <p:nvPr>
-            <p:ph type="dt" sz="half" idx="2"/>
-          </p:nvPr>
-        </p:nvSpPr>
-        <p:spPr/>
-        <p:txBody>
-          <a:bodyPr/>
-          <a:lstStyle/>
-          <a:p>
-            <a:r>
-              <a:rPr lang="en-CA" dirty="0"/>
-              <a:t>Winter 2022</a:t>
-            </a:r>
-          </a:p>
-        </p:txBody>
-      </p:sp>
-      <p:sp>
-        <p:nvSpPr>
           <p:cNvPr id="10" name="Footer Placeholder 9"/>
           <p:cNvSpPr>
             <a:spLocks noGrp="1"/>
@@ -11777,7 +11077,7 @@
     </p:spTree>
     <p:extLst>
       <p:ext uri="{BB962C8B-B14F-4D97-AF65-F5344CB8AC3E}">
-        <p14:creationId xmlns:p14="http://schemas.microsoft.com/office/powerpoint/2010/main" val="1364115844"/>
+        <p14:creationId xmlns:p14="http://schemas.microsoft.com/office/powerpoint/2010/main" xmlns="" val="1364115844"/>
       </p:ext>
     </p:extLst>
   </p:cSld>
@@ -11888,28 +11188,6 @@
       </p:sp>
       <p:sp>
         <p:nvSpPr>
-          <p:cNvPr id="6" name="Date Placeholder 5"/>
-          <p:cNvSpPr>
-            <a:spLocks noGrp="1"/>
-          </p:cNvSpPr>
-          <p:nvPr>
-            <p:ph type="dt" sz="half" idx="2"/>
-          </p:nvPr>
-        </p:nvSpPr>
-        <p:spPr/>
-        <p:txBody>
-          <a:bodyPr/>
-          <a:lstStyle/>
-          <a:p>
-            <a:r>
-              <a:rPr lang="en-CA" dirty="0"/>
-              <a:t>Winter 2022</a:t>
-            </a:r>
-          </a:p>
-        </p:txBody>
-      </p:sp>
-      <p:sp>
-        <p:nvSpPr>
           <p:cNvPr id="10" name="Footer Placeholder 9"/>
           <p:cNvSpPr>
             <a:spLocks noGrp="1"/>
@@ -11960,7 +11238,7 @@
     </p:spTree>
     <p:extLst>
       <p:ext uri="{BB962C8B-B14F-4D97-AF65-F5344CB8AC3E}">
-        <p14:creationId xmlns:p14="http://schemas.microsoft.com/office/powerpoint/2010/main" val="831713103"/>
+        <p14:creationId xmlns:p14="http://schemas.microsoft.com/office/powerpoint/2010/main" xmlns="" val="831713103"/>
       </p:ext>
     </p:extLst>
   </p:cSld>
@@ -12060,28 +11338,6 @@
       </p:sp>
       <p:sp>
         <p:nvSpPr>
-          <p:cNvPr id="6" name="Date Placeholder 5"/>
-          <p:cNvSpPr>
-            <a:spLocks noGrp="1"/>
-          </p:cNvSpPr>
-          <p:nvPr>
-            <p:ph type="dt" sz="half" idx="2"/>
-          </p:nvPr>
-        </p:nvSpPr>
-        <p:spPr/>
-        <p:txBody>
-          <a:bodyPr/>
-          <a:lstStyle/>
-          <a:p>
-            <a:r>
-              <a:rPr lang="en-CA" dirty="0"/>
-              <a:t>Winter 2022</a:t>
-            </a:r>
-          </a:p>
-        </p:txBody>
-      </p:sp>
-      <p:sp>
-        <p:nvSpPr>
           <p:cNvPr id="10" name="Footer Placeholder 9"/>
           <p:cNvSpPr>
             <a:spLocks noGrp="1"/>
@@ -12132,7 +11388,7 @@
     </p:spTree>
     <p:extLst>
       <p:ext uri="{BB962C8B-B14F-4D97-AF65-F5344CB8AC3E}">
-        <p14:creationId xmlns:p14="http://schemas.microsoft.com/office/powerpoint/2010/main" val="3252093137"/>
+        <p14:creationId xmlns:p14="http://schemas.microsoft.com/office/powerpoint/2010/main" xmlns="" val="3252093137"/>
       </p:ext>
     </p:extLst>
   </p:cSld>
@@ -12185,7 +11441,7 @@
     </a:clrScheme>
     <a:fontScheme name="Office">
       <a:majorFont>
-        <a:latin typeface="Calibri Light" panose="020F0302020204030204"/>
+        <a:latin typeface="Calibri Light"/>
         <a:ea typeface=""/>
         <a:cs typeface=""/>
         <a:font script="Jpan" typeface="游ゴシック Light"/>
@@ -12237,7 +11493,7 @@
         <a:font script="Tfng" typeface="Ebrima"/>
       </a:majorFont>
       <a:minorFont>
-        <a:latin typeface="Calibri" panose="020F0502020204030204"/>
+        <a:latin typeface="Calibri"/>
         <a:ea typeface=""/>
         <a:cs typeface=""/>
         <a:font script="Jpan" typeface="游ゴシック"/>
@@ -12431,7 +11687,7 @@
   <a:extraClrSchemeLst/>
   <a:extLst>
     <a:ext uri="{05A4C25C-085E-4340-85A3-A5531E510DB2}">
-      <thm15:themeFamily xmlns:thm15="http://schemas.microsoft.com/office/thememl/2012/main" name="eye_tracker_presentation" id="{00ED1D97-A04B-46A0-BB71-88655A6B057F}" vid="{F36189FA-3966-4852-951E-5734674D1C7B}"/>
+      <thm15:themeFamily xmlns:thm15="http://schemas.microsoft.com/office/thememl/2012/main" xmlns="" name="eye_tracker_presentation" id="{00ED1D97-A04B-46A0-BB71-88655A6B057F}" vid="{F36189FA-3966-4852-951E-5734674D1C7B}"/>
     </a:ext>
   </a:extLst>
 </a:theme>
@@ -12480,7 +11736,7 @@
     </a:clrScheme>
     <a:fontScheme name="Office">
       <a:majorFont>
-        <a:latin typeface="Calibri Light" panose="020F0302020204030204"/>
+        <a:latin typeface="Calibri Light"/>
         <a:ea typeface=""/>
         <a:cs typeface=""/>
         <a:font script="Jpan" typeface="游ゴシック Light"/>
@@ -12532,7 +11788,7 @@
         <a:font script="Tfng" typeface="Ebrima"/>
       </a:majorFont>
       <a:minorFont>
-        <a:latin typeface="Calibri" panose="020F0502020204030204"/>
+        <a:latin typeface="Calibri"/>
         <a:ea typeface=""/>
         <a:cs typeface=""/>
         <a:font script="Jpan" typeface="游ゴシック"/>
@@ -12726,7 +11982,7 @@
   <a:extraClrSchemeLst/>
   <a:extLst>
     <a:ext uri="{05A4C25C-085E-4340-85A3-A5531E510DB2}">
-      <thm15:themeFamily xmlns:thm15="http://schemas.microsoft.com/office/thememl/2012/main" name="Office Theme" id="{62F939B6-93AF-4DB8-9C6B-D6C7DFDC589F}" vid="{4A3C46E8-61CC-4603-A589-7422A47A8E4A}"/>
+      <thm15:themeFamily xmlns:thm15="http://schemas.microsoft.com/office/thememl/2012/main" xmlns="" name="Office Theme" id="{62F939B6-93AF-4DB8-9C6B-D6C7DFDC589F}" vid="{4A3C46E8-61CC-4603-A589-7422A47A8E4A}"/>
     </a:ext>
   </a:extLst>
 </a:theme>

--- a/bishops/cs321/resources/CS321_Lecture_14.pptx
+++ b/bishops/cs321/resources/CS321_Lecture_14.pptx
@@ -3864,10 +3864,10 @@
           <a:lstStyle/>
           <a:p>
             <a:r>
-              <a:rPr lang="en-US" altLang="en-US" dirty="0">
+              <a:rPr lang="en-US" altLang="en-US" dirty="0" smtClean="0">
                 <a:hlinkClick r:id="rId2"/>
               </a:rPr>
-              <a:t>http://hillside.net/patterns/</a:t>
+              <a:t>https://hillside.net/patterns/</a:t>
             </a:r>
             <a:endParaRPr lang="en-US" altLang="en-US" dirty="0"/>
           </a:p>
@@ -3913,10 +3913,10 @@
           </a:p>
           <a:p>
             <a:r>
-              <a:rPr lang="en-US" altLang="en-US" sz="1800" dirty="0">
+              <a:rPr lang="en-US" altLang="en-US" sz="1800" dirty="0" smtClean="0">
                 <a:hlinkClick r:id="rId3"/>
               </a:rPr>
-              <a:t>http://en.wikipedia.org/wiki/Design_pattern_%28computer_science%29</a:t>
+              <a:t>https://en.wikipedia.org/wiki/Software_design_pattern</a:t>
             </a:r>
             <a:endParaRPr lang="en-US" altLang="en-US" sz="1800" dirty="0"/>
           </a:p>
